--- a/pipeline/pipeline_final.pptx
+++ b/pipeline/pipeline_final.pptx
@@ -5,19 +5,21 @@
     <p:sldMasterId id="2147483648" r:id="rId1"/>
   </p:sldMasterIdLst>
   <p:notesMasterIdLst>
-    <p:notesMasterId r:id="rId12"/>
+    <p:notesMasterId r:id="rId14"/>
   </p:notesMasterIdLst>
   <p:sldIdLst>
     <p:sldId id="264" r:id="rId2"/>
     <p:sldId id="442" r:id="rId3"/>
     <p:sldId id="443" r:id="rId4"/>
     <p:sldId id="444" r:id="rId5"/>
-    <p:sldId id="256" r:id="rId6"/>
-    <p:sldId id="258" r:id="rId7"/>
-    <p:sldId id="257" r:id="rId8"/>
-    <p:sldId id="259" r:id="rId9"/>
-    <p:sldId id="260" r:id="rId10"/>
+    <p:sldId id="446" r:id="rId6"/>
+    <p:sldId id="256" r:id="rId7"/>
+    <p:sldId id="445" r:id="rId8"/>
+    <p:sldId id="260" r:id="rId9"/>
+    <p:sldId id="259" r:id="rId10"/>
     <p:sldId id="261" r:id="rId11"/>
+    <p:sldId id="258" r:id="rId12"/>
+    <p:sldId id="257" r:id="rId13"/>
   </p:sldIdLst>
   <p:sldSz cx="12192000" cy="6858000"/>
   <p:notesSz cx="6858000" cy="9144000"/>
@@ -3937,12 +3939,20 @@
           <a:lstStyle/>
           <a:p>
             <a:r>
-              <a:rPr lang="en-US" altLang="zh-TW" dirty="0"/>
+              <a:rPr lang="en-US" altLang="zh-TW" dirty="0">
+                <a:latin typeface="Arial" panose="020B0604020202020204" pitchFamily="34" charset="0"/>
+                <a:ea typeface="微軟正黑體" panose="020B0604030504040204" pitchFamily="34" charset="-120"/>
+                <a:cs typeface="Arial" panose="020B0604020202020204" pitchFamily="34" charset="0"/>
+              </a:rPr>
               <a:t>Dictionary </a:t>
             </a:r>
             <a:r>
-              <a:rPr lang="zh-TW" altLang="en-US" dirty="0"/>
-              <a:t>禁止產生位定義值</a:t>
+              <a:rPr lang="zh-TW" altLang="en-US" dirty="0">
+                <a:latin typeface="Arial" panose="020B0604020202020204" pitchFamily="34" charset="0"/>
+                <a:ea typeface="微軟正黑體" panose="020B0604030504040204" pitchFamily="34" charset="-120"/>
+                <a:cs typeface="Arial" panose="020B0604020202020204" pitchFamily="34" charset="0"/>
+              </a:rPr>
+              <a:t>禁止呼叫 未定義鍵質對</a:t>
             </a:r>
           </a:p>
         </p:txBody>
@@ -3974,110 +3984,295 @@
           <a:lstStyle/>
           <a:p>
             <a:r>
-              <a:rPr lang="en-US" altLang="zh-TW" dirty="0" err="1"/>
+              <a:rPr lang="en-US" altLang="zh-TW" dirty="0" err="1">
+                <a:latin typeface="Arial" panose="020B0604020202020204" pitchFamily="34" charset="0"/>
+                <a:ea typeface="微軟正黑體" panose="020B0604030504040204" pitchFamily="34" charset="-120"/>
+                <a:cs typeface="Arial" panose="020B0604020202020204" pitchFamily="34" charset="0"/>
+              </a:rPr>
               <a:t>dict_test</a:t>
             </a:r>
             <a:r>
-              <a:rPr lang="en-US" altLang="zh-TW" dirty="0"/>
+              <a:rPr lang="en-US" altLang="zh-TW" dirty="0">
+                <a:latin typeface="Arial" panose="020B0604020202020204" pitchFamily="34" charset="0"/>
+                <a:ea typeface="微軟正黑體" panose="020B0604030504040204" pitchFamily="34" charset="-120"/>
+                <a:cs typeface="Arial" panose="020B0604020202020204" pitchFamily="34" charset="0"/>
+              </a:rPr>
               <a:t>[</a:t>
             </a:r>
             <a:r>
-              <a:rPr lang="en-US" altLang="zh-TW" dirty="0" err="1"/>
+              <a:rPr lang="en-US" altLang="zh-TW" dirty="0" err="1">
+                <a:latin typeface="Arial" panose="020B0604020202020204" pitchFamily="34" charset="0"/>
+                <a:ea typeface="微軟正黑體" panose="020B0604030504040204" pitchFamily="34" charset="-120"/>
+                <a:cs typeface="Arial" panose="020B0604020202020204" pitchFamily="34" charset="0"/>
+              </a:rPr>
               <a:t>new_key</a:t>
             </a:r>
             <a:r>
-              <a:rPr lang="en-US" altLang="zh-TW" dirty="0"/>
+              <a:rPr lang="en-US" altLang="zh-TW" dirty="0">
+                <a:latin typeface="Arial" panose="020B0604020202020204" pitchFamily="34" charset="0"/>
+                <a:ea typeface="微軟正黑體" panose="020B0604030504040204" pitchFamily="34" charset="-120"/>
+                <a:cs typeface="Arial" panose="020B0604020202020204" pitchFamily="34" charset="0"/>
+              </a:rPr>
               <a:t>]=(</a:t>
             </a:r>
             <a:r>
-              <a:rPr lang="en-US" altLang="zh-TW" dirty="0" err="1"/>
+              <a:rPr lang="en-US" altLang="zh-TW" dirty="0" err="1">
+                <a:latin typeface="Arial" panose="020B0604020202020204" pitchFamily="34" charset="0"/>
+                <a:ea typeface="微軟正黑體" panose="020B0604030504040204" pitchFamily="34" charset="-120"/>
+                <a:cs typeface="Arial" panose="020B0604020202020204" pitchFamily="34" charset="0"/>
+              </a:rPr>
               <a:t>new_value</a:t>
             </a:r>
             <a:r>
-              <a:rPr lang="en-US" altLang="zh-TW" dirty="0"/>
+              <a:rPr lang="en-US" altLang="zh-TW" dirty="0">
+                <a:latin typeface="Arial" panose="020B0604020202020204" pitchFamily="34" charset="0"/>
+                <a:ea typeface="微軟正黑體" panose="020B0604030504040204" pitchFamily="34" charset="-120"/>
+                <a:cs typeface="Arial" panose="020B0604020202020204" pitchFamily="34" charset="0"/>
+              </a:rPr>
               <a:t>)</a:t>
             </a:r>
           </a:p>
           <a:p>
-            <a:endParaRPr lang="en-US" altLang="zh-TW" dirty="0"/>
-          </a:p>
-          <a:p>
-            <a:r>
-              <a:rPr lang="en-US" altLang="zh-TW" dirty="0"/>
-              <a:t>try:</a:t>
+            <a:endParaRPr lang="en-US" altLang="zh-TW" dirty="0">
+              <a:latin typeface="Arial" panose="020B0604020202020204" pitchFamily="34" charset="0"/>
+              <a:ea typeface="微軟正黑體" panose="020B0604030504040204" pitchFamily="34" charset="-120"/>
+              <a:cs typeface="Arial" panose="020B0604020202020204" pitchFamily="34" charset="0"/>
+            </a:endParaRPr>
+          </a:p>
+          <a:p>
+            <a:r>
+              <a:rPr lang="en-US" altLang="zh-TW" dirty="0">
+                <a:solidFill>
+                  <a:srgbClr val="A365D1"/>
+                </a:solidFill>
+                <a:latin typeface="Arial" panose="020B0604020202020204" pitchFamily="34" charset="0"/>
+                <a:ea typeface="微軟正黑體" panose="020B0604030504040204" pitchFamily="34" charset="-120"/>
+                <a:cs typeface="Arial" panose="020B0604020202020204" pitchFamily="34" charset="0"/>
+              </a:rPr>
+              <a:t>try</a:t>
+            </a:r>
+            <a:r>
+              <a:rPr lang="en-US" altLang="zh-TW" dirty="0">
+                <a:latin typeface="Arial" panose="020B0604020202020204" pitchFamily="34" charset="0"/>
+                <a:ea typeface="微軟正黑體" panose="020B0604030504040204" pitchFamily="34" charset="-120"/>
+                <a:cs typeface="Arial" panose="020B0604020202020204" pitchFamily="34" charset="0"/>
+              </a:rPr>
+              <a:t>:</a:t>
             </a:r>
           </a:p>
           <a:p>
             <a:pPr lvl="1"/>
             <a:r>
-              <a:rPr lang="en-US" altLang="zh-TW" dirty="0" err="1"/>
+              <a:rPr lang="en-US" altLang="zh-TW" dirty="0" err="1">
+                <a:latin typeface="Arial" panose="020B0604020202020204" pitchFamily="34" charset="0"/>
+                <a:ea typeface="微軟正黑體" panose="020B0604030504040204" pitchFamily="34" charset="-120"/>
+                <a:cs typeface="Arial" panose="020B0604020202020204" pitchFamily="34" charset="0"/>
+              </a:rPr>
               <a:t>dict_test</a:t>
             </a:r>
             <a:r>
-              <a:rPr lang="en-US" altLang="zh-TW" dirty="0"/>
+              <a:rPr lang="en-US" altLang="zh-TW" dirty="0">
+                <a:latin typeface="Arial" panose="020B0604020202020204" pitchFamily="34" charset="0"/>
+                <a:ea typeface="微軟正黑體" panose="020B0604030504040204" pitchFamily="34" charset="-120"/>
+                <a:cs typeface="Arial" panose="020B0604020202020204" pitchFamily="34" charset="0"/>
+              </a:rPr>
               <a:t>[</a:t>
             </a:r>
             <a:r>
-              <a:rPr lang="en-US" altLang="zh-TW" dirty="0" err="1"/>
+              <a:rPr lang="en-US" altLang="zh-TW" dirty="0" err="1">
+                <a:latin typeface="Arial" panose="020B0604020202020204" pitchFamily="34" charset="0"/>
+                <a:ea typeface="微軟正黑體" panose="020B0604030504040204" pitchFamily="34" charset="-120"/>
+                <a:cs typeface="Arial" panose="020B0604020202020204" pitchFamily="34" charset="0"/>
+              </a:rPr>
               <a:t>new_key</a:t>
             </a:r>
             <a:r>
-              <a:rPr lang="en-US" altLang="zh-TW" dirty="0"/>
-              <a:t>]=(</a:t>
-            </a:r>
-            <a:r>
-              <a:rPr lang="en-US" altLang="zh-TW" dirty="0" err="1"/>
+              <a:rPr lang="en-US" altLang="zh-TW" dirty="0">
+                <a:latin typeface="Arial" panose="020B0604020202020204" pitchFamily="34" charset="0"/>
+                <a:ea typeface="微軟正黑體" panose="020B0604030504040204" pitchFamily="34" charset="-120"/>
+                <a:cs typeface="Arial" panose="020B0604020202020204" pitchFamily="34" charset="0"/>
+              </a:rPr>
+              <a:t>]</a:t>
+            </a:r>
+            <a:r>
+              <a:rPr lang="zh-TW" altLang="en-US" dirty="0">
+                <a:latin typeface="Arial" panose="020B0604020202020204" pitchFamily="34" charset="0"/>
+                <a:ea typeface="微軟正黑體" panose="020B0604030504040204" pitchFamily="34" charset="-120"/>
+                <a:cs typeface="Arial" panose="020B0604020202020204" pitchFamily="34" charset="0"/>
+              </a:rPr>
+              <a:t> </a:t>
+            </a:r>
+            <a:r>
+              <a:rPr lang="en-US" altLang="zh-TW" dirty="0">
+                <a:latin typeface="Arial" panose="020B0604020202020204" pitchFamily="34" charset="0"/>
+                <a:ea typeface="微軟正黑體" panose="020B0604030504040204" pitchFamily="34" charset="-120"/>
+                <a:cs typeface="Arial" panose="020B0604020202020204" pitchFamily="34" charset="0"/>
+              </a:rPr>
+              <a:t>=</a:t>
+            </a:r>
+            <a:r>
+              <a:rPr lang="zh-TW" altLang="en-US" dirty="0">
+                <a:latin typeface="Arial" panose="020B0604020202020204" pitchFamily="34" charset="0"/>
+                <a:ea typeface="微軟正黑體" panose="020B0604030504040204" pitchFamily="34" charset="-120"/>
+                <a:cs typeface="Arial" panose="020B0604020202020204" pitchFamily="34" charset="0"/>
+              </a:rPr>
+              <a:t> </a:t>
+            </a:r>
+            <a:r>
+              <a:rPr lang="en-US" altLang="zh-TW" dirty="0">
+                <a:latin typeface="Arial" panose="020B0604020202020204" pitchFamily="34" charset="0"/>
+                <a:ea typeface="微軟正黑體" panose="020B0604030504040204" pitchFamily="34" charset="-120"/>
+                <a:cs typeface="Arial" panose="020B0604020202020204" pitchFamily="34" charset="0"/>
+              </a:rPr>
+              <a:t>(</a:t>
+            </a:r>
+            <a:r>
+              <a:rPr lang="en-US" altLang="zh-TW" dirty="0" err="1">
+                <a:latin typeface="Arial" panose="020B0604020202020204" pitchFamily="34" charset="0"/>
+                <a:ea typeface="微軟正黑體" panose="020B0604030504040204" pitchFamily="34" charset="-120"/>
+                <a:cs typeface="Arial" panose="020B0604020202020204" pitchFamily="34" charset="0"/>
+              </a:rPr>
               <a:t>new_value</a:t>
             </a:r>
             <a:r>
-              <a:rPr lang="en-US" altLang="zh-TW" dirty="0"/>
+              <a:rPr lang="en-US" altLang="zh-TW" dirty="0">
+                <a:latin typeface="Arial" panose="020B0604020202020204" pitchFamily="34" charset="0"/>
+                <a:ea typeface="微軟正黑體" panose="020B0604030504040204" pitchFamily="34" charset="-120"/>
+                <a:cs typeface="Arial" panose="020B0604020202020204" pitchFamily="34" charset="0"/>
+              </a:rPr>
               <a:t>)</a:t>
             </a:r>
           </a:p>
           <a:p>
             <a:r>
-              <a:rPr lang="en-US" altLang="zh-TW" dirty="0"/>
-              <a:t>except </a:t>
-            </a:r>
-            <a:r>
-              <a:rPr lang="en-US" altLang="zh-TW" dirty="0" err="1"/>
+              <a:rPr lang="en-US" altLang="zh-TW" dirty="0">
+                <a:solidFill>
+                  <a:srgbClr val="A365D1"/>
+                </a:solidFill>
+                <a:latin typeface="Arial" panose="020B0604020202020204" pitchFamily="34" charset="0"/>
+                <a:ea typeface="微軟正黑體" panose="020B0604030504040204" pitchFamily="34" charset="-120"/>
+                <a:cs typeface="Arial" panose="020B0604020202020204" pitchFamily="34" charset="0"/>
+              </a:rPr>
+              <a:t>except</a:t>
+            </a:r>
+            <a:r>
+              <a:rPr lang="en-US" altLang="zh-TW" dirty="0">
+                <a:latin typeface="Arial" panose="020B0604020202020204" pitchFamily="34" charset="0"/>
+                <a:ea typeface="微軟正黑體" panose="020B0604030504040204" pitchFamily="34" charset="-120"/>
+                <a:cs typeface="Arial" panose="020B0604020202020204" pitchFamily="34" charset="0"/>
+              </a:rPr>
+              <a:t> </a:t>
+            </a:r>
+            <a:r>
+              <a:rPr lang="en-US" altLang="zh-TW" dirty="0" err="1">
+                <a:solidFill>
+                  <a:srgbClr val="00B050"/>
+                </a:solidFill>
+                <a:latin typeface="Arial" panose="020B0604020202020204" pitchFamily="34" charset="0"/>
+                <a:ea typeface="微軟正黑體" panose="020B0604030504040204" pitchFamily="34" charset="-120"/>
+                <a:cs typeface="Arial" panose="020B0604020202020204" pitchFamily="34" charset="0"/>
+              </a:rPr>
               <a:t>KeyError</a:t>
             </a:r>
             <a:r>
-              <a:rPr lang="en-US" altLang="zh-TW" dirty="0"/>
+              <a:rPr lang="en-US" altLang="zh-TW" dirty="0">
+                <a:latin typeface="Arial" panose="020B0604020202020204" pitchFamily="34" charset="0"/>
+                <a:ea typeface="微軟正黑體" panose="020B0604030504040204" pitchFamily="34" charset="-120"/>
+                <a:cs typeface="Arial" panose="020B0604020202020204" pitchFamily="34" charset="0"/>
+              </a:rPr>
               <a:t>:</a:t>
             </a:r>
           </a:p>
           <a:p>
             <a:pPr lvl="1"/>
             <a:r>
-              <a:rPr lang="en-US" altLang="zh-TW" dirty="0" err="1"/>
+              <a:rPr lang="en-US" altLang="zh-TW" dirty="0" err="1">
+                <a:latin typeface="Arial" panose="020B0604020202020204" pitchFamily="34" charset="0"/>
+                <a:ea typeface="微軟正黑體" panose="020B0604030504040204" pitchFamily="34" charset="-120"/>
+                <a:cs typeface="Arial" panose="020B0604020202020204" pitchFamily="34" charset="0"/>
+              </a:rPr>
               <a:t>dict_test</a:t>
             </a:r>
             <a:r>
-              <a:rPr lang="en-US" altLang="zh-TW" dirty="0"/>
+              <a:rPr lang="en-US" altLang="zh-TW" dirty="0">
+                <a:latin typeface="Arial" panose="020B0604020202020204" pitchFamily="34" charset="0"/>
+                <a:ea typeface="微軟正黑體" panose="020B0604030504040204" pitchFamily="34" charset="-120"/>
+                <a:cs typeface="Arial" panose="020B0604020202020204" pitchFamily="34" charset="0"/>
+              </a:rPr>
               <a:t>[</a:t>
             </a:r>
             <a:r>
-              <a:rPr lang="en-US" altLang="zh-TW" dirty="0" err="1"/>
+              <a:rPr lang="en-US" altLang="zh-TW" dirty="0" err="1">
+                <a:latin typeface="Arial" panose="020B0604020202020204" pitchFamily="34" charset="0"/>
+                <a:ea typeface="微軟正黑體" panose="020B0604030504040204" pitchFamily="34" charset="-120"/>
+                <a:cs typeface="Arial" panose="020B0604020202020204" pitchFamily="34" charset="0"/>
+              </a:rPr>
               <a:t>new_key</a:t>
             </a:r>
             <a:r>
-              <a:rPr lang="en-US" altLang="zh-TW" dirty="0"/>
-              <a:t>]=(</a:t>
-            </a:r>
-            <a:r>
-              <a:rPr lang="en-US" altLang="zh-TW" dirty="0" err="1"/>
+              <a:rPr lang="en-US" altLang="zh-TW" dirty="0">
+                <a:latin typeface="Arial" panose="020B0604020202020204" pitchFamily="34" charset="0"/>
+                <a:ea typeface="微軟正黑體" panose="020B0604030504040204" pitchFamily="34" charset="-120"/>
+                <a:cs typeface="Arial" panose="020B0604020202020204" pitchFamily="34" charset="0"/>
+              </a:rPr>
+              <a:t>]</a:t>
+            </a:r>
+            <a:r>
+              <a:rPr lang="zh-TW" altLang="en-US" dirty="0">
+                <a:latin typeface="Arial" panose="020B0604020202020204" pitchFamily="34" charset="0"/>
+                <a:ea typeface="微軟正黑體" panose="020B0604030504040204" pitchFamily="34" charset="-120"/>
+                <a:cs typeface="Arial" panose="020B0604020202020204" pitchFamily="34" charset="0"/>
+              </a:rPr>
+              <a:t> </a:t>
+            </a:r>
+            <a:r>
+              <a:rPr lang="en-US" altLang="zh-TW" dirty="0">
+                <a:latin typeface="Arial" panose="020B0604020202020204" pitchFamily="34" charset="0"/>
+                <a:ea typeface="微軟正黑體" panose="020B0604030504040204" pitchFamily="34" charset="-120"/>
+                <a:cs typeface="Arial" panose="020B0604020202020204" pitchFamily="34" charset="0"/>
+              </a:rPr>
+              <a:t>=</a:t>
+            </a:r>
+            <a:r>
+              <a:rPr lang="zh-TW" altLang="en-US" dirty="0">
+                <a:latin typeface="Arial" panose="020B0604020202020204" pitchFamily="34" charset="0"/>
+                <a:ea typeface="微軟正黑體" panose="020B0604030504040204" pitchFamily="34" charset="-120"/>
+                <a:cs typeface="Arial" panose="020B0604020202020204" pitchFamily="34" charset="0"/>
+              </a:rPr>
+              <a:t> </a:t>
+            </a:r>
+            <a:r>
+              <a:rPr lang="en-US" altLang="zh-TW" dirty="0">
+                <a:latin typeface="Arial" panose="020B0604020202020204" pitchFamily="34" charset="0"/>
+                <a:ea typeface="微軟正黑體" panose="020B0604030504040204" pitchFamily="34" charset="-120"/>
+                <a:cs typeface="Arial" panose="020B0604020202020204" pitchFamily="34" charset="0"/>
+              </a:rPr>
+              <a:t>(</a:t>
+            </a:r>
+            <a:r>
+              <a:rPr lang="en-US" altLang="zh-TW" dirty="0" err="1">
+                <a:latin typeface="Arial" panose="020B0604020202020204" pitchFamily="34" charset="0"/>
+                <a:ea typeface="微軟正黑體" panose="020B0604030504040204" pitchFamily="34" charset="-120"/>
+                <a:cs typeface="Arial" panose="020B0604020202020204" pitchFamily="34" charset="0"/>
+              </a:rPr>
               <a:t>new_value</a:t>
             </a:r>
             <a:r>
-              <a:rPr lang="en-US" altLang="zh-TW" dirty="0"/>
+              <a:rPr lang="en-US" altLang="zh-TW" dirty="0">
+                <a:latin typeface="Arial" panose="020B0604020202020204" pitchFamily="34" charset="0"/>
+                <a:ea typeface="微軟正黑體" panose="020B0604030504040204" pitchFamily="34" charset="-120"/>
+                <a:cs typeface="Arial" panose="020B0604020202020204" pitchFamily="34" charset="0"/>
+              </a:rPr>
               <a:t>)</a:t>
             </a:r>
           </a:p>
           <a:p>
             <a:pPr lvl="1"/>
-            <a:endParaRPr lang="zh-TW" altLang="en-US" dirty="0"/>
+            <a:endParaRPr lang="zh-TW" altLang="en-US" dirty="0">
+              <a:latin typeface="Arial" panose="020B0604020202020204" pitchFamily="34" charset="0"/>
+              <a:ea typeface="微軟正黑體" panose="020B0604030504040204" pitchFamily="34" charset="-120"/>
+              <a:cs typeface="Arial" panose="020B0604020202020204" pitchFamily="34" charset="0"/>
+            </a:endParaRPr>
           </a:p>
         </p:txBody>
       </p:sp>
@@ -4085,6 +4280,535 @@
     <p:extLst>
       <p:ext uri="{BB962C8B-B14F-4D97-AF65-F5344CB8AC3E}">
         <p14:creationId xmlns:p14="http://schemas.microsoft.com/office/powerpoint/2010/main" val="509341594"/>
+      </p:ext>
+    </p:extLst>
+  </p:cSld>
+  <p:clrMapOvr>
+    <a:masterClrMapping/>
+  </p:clrMapOvr>
+</p:sld>
+</file>
+
+<file path=ppt/slides/slide11.xml><?xml version="1.0" encoding="utf-8"?>
+<p:sld xmlns:a="http://schemas.openxmlformats.org/drawingml/2006/main" xmlns:r="http://schemas.openxmlformats.org/officeDocument/2006/relationships" xmlns:p="http://schemas.openxmlformats.org/presentationml/2006/main">
+  <p:cSld>
+    <p:spTree>
+      <p:nvGrpSpPr>
+        <p:cNvPr id="1" name=""/>
+        <p:cNvGrpSpPr/>
+        <p:nvPr/>
+      </p:nvGrpSpPr>
+      <p:grpSpPr>
+        <a:xfrm>
+          <a:off x="0" y="0"/>
+          <a:ext cx="0" cy="0"/>
+          <a:chOff x="0" y="0"/>
+          <a:chExt cx="0" cy="0"/>
+        </a:xfrm>
+      </p:grpSpPr>
+      <p:sp>
+        <p:nvSpPr>
+          <p:cNvPr id="2" name="標題 1">
+            <a:extLst>
+              <a:ext uri="{FF2B5EF4-FFF2-40B4-BE49-F238E27FC236}">
+                <a16:creationId xmlns:a16="http://schemas.microsoft.com/office/drawing/2014/main" id="{6F711AD4-639F-4A6E-8428-B1CDF409E76D}"/>
+              </a:ext>
+            </a:extLst>
+          </p:cNvPr>
+          <p:cNvSpPr>
+            <a:spLocks noGrp="1"/>
+          </p:cNvSpPr>
+          <p:nvPr>
+            <p:ph type="title"/>
+          </p:nvPr>
+        </p:nvSpPr>
+        <p:spPr/>
+        <p:txBody>
+          <a:bodyPr/>
+          <a:lstStyle/>
+          <a:p>
+            <a:r>
+              <a:rPr lang="en-US" altLang="zh-TW" dirty="0">
+                <a:latin typeface="Arial" panose="020B0604020202020204" pitchFamily="34" charset="0"/>
+                <a:cs typeface="Arial" panose="020B0604020202020204" pitchFamily="34" charset="0"/>
+              </a:rPr>
+              <a:t>VCF (Variance Calling File)</a:t>
+            </a:r>
+            <a:endParaRPr lang="zh-TW" altLang="en-US" dirty="0">
+              <a:latin typeface="Arial" panose="020B0604020202020204" pitchFamily="34" charset="0"/>
+              <a:cs typeface="Arial" panose="020B0604020202020204" pitchFamily="34" charset="0"/>
+            </a:endParaRPr>
+          </a:p>
+        </p:txBody>
+      </p:sp>
+      <p:sp>
+        <p:nvSpPr>
+          <p:cNvPr id="5" name="文字方塊 4">
+            <a:extLst>
+              <a:ext uri="{FF2B5EF4-FFF2-40B4-BE49-F238E27FC236}">
+                <a16:creationId xmlns:a16="http://schemas.microsoft.com/office/drawing/2014/main" id="{EC4B0736-3D5F-4C2C-AA8D-C3EAC751695D}"/>
+              </a:ext>
+            </a:extLst>
+          </p:cNvPr>
+          <p:cNvSpPr txBox="1"/>
+          <p:nvPr/>
+        </p:nvSpPr>
+        <p:spPr>
+          <a:xfrm>
+            <a:off x="420916" y="1518767"/>
+            <a:ext cx="45661942" cy="4801314"/>
+          </a:xfrm>
+          <a:prstGeom prst="rect">
+            <a:avLst/>
+          </a:prstGeom>
+          <a:noFill/>
+        </p:spPr>
+        <p:txBody>
+          <a:bodyPr wrap="square">
+            <a:spAutoFit/>
+          </a:bodyPr>
+          <a:lstStyle/>
+          <a:p>
+            <a:r>
+              <a:rPr lang="zh-TW" altLang="en-US" dirty="0">
+                <a:latin typeface="Arial" panose="020B0604020202020204" pitchFamily="34" charset="0"/>
+                <a:cs typeface="Arial" panose="020B0604020202020204" pitchFamily="34" charset="0"/>
+              </a:rPr>
+              <a:t>##fileformat=VCFv4.2</a:t>
+            </a:r>
+          </a:p>
+          <a:p>
+            <a:r>
+              <a:rPr lang="zh-TW" altLang="en-US" dirty="0">
+                <a:latin typeface="Arial" panose="020B0604020202020204" pitchFamily="34" charset="0"/>
+                <a:cs typeface="Arial" panose="020B0604020202020204" pitchFamily="34" charset="0"/>
+              </a:rPr>
+              <a:t>##FILTER=&lt;ID=PASS,Description="All filters passed"&gt;</a:t>
+            </a:r>
+          </a:p>
+          <a:p>
+            <a:r>
+              <a:rPr lang="zh-TW" altLang="en-US" dirty="0">
+                <a:latin typeface="Arial" panose="020B0604020202020204" pitchFamily="34" charset="0"/>
+                <a:cs typeface="Arial" panose="020B0604020202020204" pitchFamily="34" charset="0"/>
+              </a:rPr>
+              <a:t>##bcftoolsVersion=1.11+htslib-1.11</a:t>
+            </a:r>
+          </a:p>
+          <a:p>
+            <a:r>
+              <a:rPr lang="en-US" altLang="zh-TW" dirty="0">
+                <a:latin typeface="Arial" panose="020B0604020202020204" pitchFamily="34" charset="0"/>
+                <a:cs typeface="Arial" panose="020B0604020202020204" pitchFamily="34" charset="0"/>
+              </a:rPr>
+              <a:t>.</a:t>
+            </a:r>
+          </a:p>
+          <a:p>
+            <a:r>
+              <a:rPr lang="en-US" altLang="zh-TW" dirty="0">
+                <a:latin typeface="Arial" panose="020B0604020202020204" pitchFamily="34" charset="0"/>
+                <a:cs typeface="Arial" panose="020B0604020202020204" pitchFamily="34" charset="0"/>
+              </a:rPr>
+              <a:t>.</a:t>
+            </a:r>
+          </a:p>
+          <a:p>
+            <a:r>
+              <a:rPr lang="en-US" altLang="zh-TW" dirty="0">
+                <a:latin typeface="Arial" panose="020B0604020202020204" pitchFamily="34" charset="0"/>
+                <a:cs typeface="Arial" panose="020B0604020202020204" pitchFamily="34" charset="0"/>
+              </a:rPr>
+              <a:t>.</a:t>
+            </a:r>
+          </a:p>
+          <a:p>
+            <a:r>
+              <a:rPr lang="zh-TW" altLang="en-US" dirty="0">
+                <a:latin typeface="Arial" panose="020B0604020202020204" pitchFamily="34" charset="0"/>
+                <a:cs typeface="Arial" panose="020B0604020202020204" pitchFamily="34" charset="0"/>
+              </a:rPr>
+              <a:t>##bcftools_callCommand=call -mv -Ob -o HOL1.bwa.sorted.raw.bcf; Date=Mon Nov 30 07:10:41 2020</a:t>
+            </a:r>
+          </a:p>
+          <a:p>
+            <a:r>
+              <a:rPr lang="zh-TW" altLang="en-US" dirty="0">
+                <a:latin typeface="Arial" panose="020B0604020202020204" pitchFamily="34" charset="0"/>
+                <a:cs typeface="Arial" panose="020B0604020202020204" pitchFamily="34" charset="0"/>
+              </a:rPr>
+              <a:t>##bcftools_viewVersion=1.11+htslib-1.11</a:t>
+            </a:r>
+          </a:p>
+          <a:p>
+            <a:r>
+              <a:rPr lang="zh-TW" altLang="en-US" dirty="0">
+                <a:latin typeface="Arial" panose="020B0604020202020204" pitchFamily="34" charset="0"/>
+                <a:cs typeface="Arial" panose="020B0604020202020204" pitchFamily="34" charset="0"/>
+              </a:rPr>
+              <a:t>##bcftools_viewCommand=view -i %QUAL&gt;=20 -Ov -o HOL1.bwa.sorted.filted.vcf HOL1.bwa.sorted.raw.bcf; Date=Mon Nov 30 07:28:32 2020</a:t>
+            </a:r>
+          </a:p>
+          <a:p>
+            <a:r>
+              <a:rPr lang="zh-TW" altLang="en-US" dirty="0">
+                <a:latin typeface="Arial" panose="020B0604020202020204" pitchFamily="34" charset="0"/>
+                <a:cs typeface="Arial" panose="020B0604020202020204" pitchFamily="34" charset="0"/>
+              </a:rPr>
+              <a:t>#CHROM	POS	ID	REF	ALT	QUAL	FILTER	INFO	FORMAT	HOL1.bwa.sorted.bam</a:t>
+            </a:r>
+          </a:p>
+          <a:p>
+            <a:r>
+              <a:rPr lang="zh-TW" altLang="en-US" dirty="0">
+                <a:latin typeface="Arial" panose="020B0604020202020204" pitchFamily="34" charset="0"/>
+                <a:cs typeface="Arial" panose="020B0604020202020204" pitchFamily="34" charset="0"/>
+              </a:rPr>
+              <a:t>NC_003030.1	196943	.	TAAAAAA	TAAAAA	109	.	INDEL;IDV=121;IMF=0.960317;DP=126;VDB=0.999386;SGB=-0.693147;MQSB=1;MQ0F=0;AC=2;AN=2;DP4=4,3,57,62;MQ=60	GT:PL	1/1:136,228,0</a:t>
+            </a:r>
+          </a:p>
+          <a:p>
+            <a:r>
+              <a:rPr lang="zh-TW" altLang="en-US" dirty="0">
+                <a:latin typeface="Arial" panose="020B0604020202020204" pitchFamily="34" charset="0"/>
+                <a:cs typeface="Arial" panose="020B0604020202020204" pitchFamily="34" charset="0"/>
+              </a:rPr>
+              <a:t>NC_003030.1	303842	.	T	G	225	.	DP=138;VDB=0.557095;SGB=-0.693147;MQSB=1;MQ0F=0;AC=2;AN=2;DP4=0,0,58,80;MQ=60	GT:PL	1/1:255,255,0</a:t>
+            </a:r>
+          </a:p>
+          <a:p>
+            <a:r>
+              <a:rPr lang="zh-TW" altLang="en-US" dirty="0">
+                <a:latin typeface="Arial" panose="020B0604020202020204" pitchFamily="34" charset="0"/>
+                <a:cs typeface="Arial" panose="020B0604020202020204" pitchFamily="34" charset="0"/>
+              </a:rPr>
+              <a:t>NC_003030.1	310671	.	TA	T	228	.	INDEL;IDV=137;IMF=0.971631;DP=141;VDB=0.686628;SGB=-0.693147;MQSB=0.999581;MQ0F=0.0070922;AC=2;AN=2;DP4=2,1,74,64;MQ=57	GT:PL	1/1:255,255,0</a:t>
+            </a:r>
+          </a:p>
+          <a:p>
+            <a:r>
+              <a:rPr lang="zh-TW" altLang="en-US" dirty="0">
+                <a:latin typeface="Arial" panose="020B0604020202020204" pitchFamily="34" charset="0"/>
+                <a:cs typeface="Arial" panose="020B0604020202020204" pitchFamily="34" charset="0"/>
+              </a:rPr>
+              <a:t>NC_003030.1	345919	.	A	G	135	.	DP=43;VDB=2.89699e-05;SGB=-0.69168;RPB=3.21474e-06;MQB=6.47595e-07;MQSB=0.738371;BQB=0.557051;MQ0F=0.465116;AC=2;AN=2;DP4=12,8,10,9;MQ=12	GT:PL	1/1:162,6,0</a:t>
+            </a:r>
+          </a:p>
+          <a:p>
+            <a:r>
+              <a:rPr lang="zh-TW" altLang="en-US" dirty="0">
+                <a:latin typeface="Arial" panose="020B0604020202020204" pitchFamily="34" charset="0"/>
+                <a:cs typeface="Arial" panose="020B0604020202020204" pitchFamily="34" charset="0"/>
+              </a:rPr>
+              <a:t>NC_003030.1	345995	.	C	T	228	.	DP=59;VDB=7.42243e-17;SGB=-0.693147;RPB=0.849057;MQB=0.0188679;MQSB=0.455468;BQB=0.358491;MQ0F=0.0508475;AC=2;AN=2;DP4=0,2,32,21;MQ=41	GT:PL	1/1:255,131,0</a:t>
+            </a:r>
+          </a:p>
+          <a:p>
+            <a:r>
+              <a:rPr lang="zh-TW" altLang="en-US" dirty="0">
+                <a:latin typeface="Arial" panose="020B0604020202020204" pitchFamily="34" charset="0"/>
+                <a:cs typeface="Arial" panose="020B0604020202020204" pitchFamily="34" charset="0"/>
+              </a:rPr>
+              <a:t>NC_003030.1	346085	.	C	G	225	.	DP=95;VDB=0.0140058;SGB=-0.693147;MQSB=0.956968;MQ0F=0;AC=2;AN=2;DP4=0,0,52,42;MQ=50	GT:PL	1/1:255,255,0</a:t>
+            </a:r>
+          </a:p>
+          <a:p>
+            <a:r>
+              <a:rPr lang="zh-TW" altLang="en-US" dirty="0">
+                <a:latin typeface="Arial" panose="020B0604020202020204" pitchFamily="34" charset="0"/>
+                <a:cs typeface="Arial" panose="020B0604020202020204" pitchFamily="34" charset="0"/>
+              </a:rPr>
+              <a:t>NC_003030.1	389758	.	T	A	225	.	DP=120;VDB=0.357508;SGB=-0.693147;MQSB=1;MQ0F=0;AC=2;AN=2;DP4=0,0,68,51;MQ=60	GT:PL	1/1:255,255,0</a:t>
+            </a:r>
+          </a:p>
+        </p:txBody>
+      </p:sp>
+    </p:spTree>
+    <p:extLst>
+      <p:ext uri="{BB962C8B-B14F-4D97-AF65-F5344CB8AC3E}">
+        <p14:creationId xmlns:p14="http://schemas.microsoft.com/office/powerpoint/2010/main" val="3979603299"/>
+      </p:ext>
+    </p:extLst>
+  </p:cSld>
+  <p:clrMapOvr>
+    <a:masterClrMapping/>
+  </p:clrMapOvr>
+</p:sld>
+</file>
+
+<file path=ppt/slides/slide12.xml><?xml version="1.0" encoding="utf-8"?>
+<p:sld xmlns:a="http://schemas.openxmlformats.org/drawingml/2006/main" xmlns:r="http://schemas.openxmlformats.org/officeDocument/2006/relationships" xmlns:p="http://schemas.openxmlformats.org/presentationml/2006/main">
+  <p:cSld>
+    <p:spTree>
+      <p:nvGrpSpPr>
+        <p:cNvPr id="1" name=""/>
+        <p:cNvGrpSpPr/>
+        <p:nvPr/>
+      </p:nvGrpSpPr>
+      <p:grpSpPr>
+        <a:xfrm>
+          <a:off x="0" y="0"/>
+          <a:ext cx="0" cy="0"/>
+          <a:chOff x="0" y="0"/>
+          <a:chExt cx="0" cy="0"/>
+        </a:xfrm>
+      </p:grpSpPr>
+      <p:sp>
+        <p:nvSpPr>
+          <p:cNvPr id="2" name="標題 1">
+            <a:extLst>
+              <a:ext uri="{FF2B5EF4-FFF2-40B4-BE49-F238E27FC236}">
+                <a16:creationId xmlns:a16="http://schemas.microsoft.com/office/drawing/2014/main" id="{4FF0D90F-751E-4D3D-B3B8-CFD1657CB71F}"/>
+              </a:ext>
+            </a:extLst>
+          </p:cNvPr>
+          <p:cNvSpPr>
+            <a:spLocks noGrp="1"/>
+          </p:cNvSpPr>
+          <p:nvPr>
+            <p:ph type="title"/>
+          </p:nvPr>
+        </p:nvSpPr>
+        <p:spPr/>
+        <p:txBody>
+          <a:bodyPr/>
+          <a:lstStyle/>
+          <a:p>
+            <a:r>
+              <a:rPr lang="en-US" altLang="zh-TW" dirty="0" err="1">
+                <a:latin typeface="Arial" panose="020B0604020202020204" pitchFamily="34" charset="0"/>
+                <a:cs typeface="Arial" panose="020B0604020202020204" pitchFamily="34" charset="0"/>
+              </a:rPr>
+              <a:t>gff</a:t>
+            </a:r>
+            <a:r>
+              <a:rPr lang="en-US" altLang="zh-TW" dirty="0">
+                <a:latin typeface="Arial" panose="020B0604020202020204" pitchFamily="34" charset="0"/>
+                <a:cs typeface="Arial" panose="020B0604020202020204" pitchFamily="34" charset="0"/>
+              </a:rPr>
+              <a:t> file (genome annotation file)</a:t>
+            </a:r>
+            <a:endParaRPr lang="zh-TW" altLang="en-US" dirty="0">
+              <a:latin typeface="Arial" panose="020B0604020202020204" pitchFamily="34" charset="0"/>
+              <a:cs typeface="Arial" panose="020B0604020202020204" pitchFamily="34" charset="0"/>
+            </a:endParaRPr>
+          </a:p>
+        </p:txBody>
+      </p:sp>
+      <p:sp>
+        <p:nvSpPr>
+          <p:cNvPr id="5" name="文字方塊 4">
+            <a:extLst>
+              <a:ext uri="{FF2B5EF4-FFF2-40B4-BE49-F238E27FC236}">
+                <a16:creationId xmlns:a16="http://schemas.microsoft.com/office/drawing/2014/main" id="{BF2626BD-DE89-4309-AD7E-515A44E4DC53}"/>
+              </a:ext>
+            </a:extLst>
+          </p:cNvPr>
+          <p:cNvSpPr txBox="1"/>
+          <p:nvPr/>
+        </p:nvSpPr>
+        <p:spPr>
+          <a:xfrm>
+            <a:off x="188685" y="1690688"/>
+            <a:ext cx="51119315" cy="5016758"/>
+          </a:xfrm>
+          <a:prstGeom prst="rect">
+            <a:avLst/>
+          </a:prstGeom>
+          <a:noFill/>
+        </p:spPr>
+        <p:txBody>
+          <a:bodyPr wrap="square">
+            <a:spAutoFit/>
+          </a:bodyPr>
+          <a:lstStyle/>
+          <a:p>
+            <a:r>
+              <a:rPr lang="zh-TW" altLang="en-US" sz="1600" dirty="0">
+                <a:latin typeface="Arial" panose="020B0604020202020204" pitchFamily="34" charset="0"/>
+                <a:cs typeface="Arial" panose="020B0604020202020204" pitchFamily="34" charset="0"/>
+              </a:rPr>
+              <a:t>##gff-version 3</a:t>
+            </a:r>
+          </a:p>
+          <a:p>
+            <a:r>
+              <a:rPr lang="zh-TW" altLang="en-US" sz="1600" dirty="0">
+                <a:latin typeface="Arial" panose="020B0604020202020204" pitchFamily="34" charset="0"/>
+                <a:cs typeface="Arial" panose="020B0604020202020204" pitchFamily="34" charset="0"/>
+              </a:rPr>
+              <a:t>#!gff-spec-version 1.21</a:t>
+            </a:r>
+          </a:p>
+          <a:p>
+            <a:r>
+              <a:rPr lang="zh-TW" altLang="en-US" sz="1600" dirty="0">
+                <a:latin typeface="Arial" panose="020B0604020202020204" pitchFamily="34" charset="0"/>
+                <a:cs typeface="Arial" panose="020B0604020202020204" pitchFamily="34" charset="0"/>
+              </a:rPr>
+              <a:t>#!processor NCBI annotwriter</a:t>
+            </a:r>
+          </a:p>
+          <a:p>
+            <a:r>
+              <a:rPr lang="zh-TW" altLang="en-US" sz="1600" dirty="0">
+                <a:latin typeface="Arial" panose="020B0604020202020204" pitchFamily="34" charset="0"/>
+                <a:cs typeface="Arial" panose="020B0604020202020204" pitchFamily="34" charset="0"/>
+              </a:rPr>
+              <a:t>#!genome-build ASM876v1</a:t>
+            </a:r>
+          </a:p>
+          <a:p>
+            <a:r>
+              <a:rPr lang="zh-TW" altLang="en-US" sz="1600" dirty="0">
+                <a:latin typeface="Arial" panose="020B0604020202020204" pitchFamily="34" charset="0"/>
+                <a:cs typeface="Arial" panose="020B0604020202020204" pitchFamily="34" charset="0"/>
+              </a:rPr>
+              <a:t>#!genome-build-accession NCBI_Assembly:GCF_000008765.1</a:t>
+            </a:r>
+          </a:p>
+          <a:p>
+            <a:r>
+              <a:rPr lang="zh-TW" altLang="en-US" sz="1600" dirty="0">
+                <a:latin typeface="Arial" panose="020B0604020202020204" pitchFamily="34" charset="0"/>
+                <a:cs typeface="Arial" panose="020B0604020202020204" pitchFamily="34" charset="0"/>
+              </a:rPr>
+              <a:t>#!annotation-date 10/25/2020 10:26:40</a:t>
+            </a:r>
+          </a:p>
+          <a:p>
+            <a:r>
+              <a:rPr lang="zh-TW" altLang="en-US" sz="1600" dirty="0">
+                <a:latin typeface="Arial" panose="020B0604020202020204" pitchFamily="34" charset="0"/>
+                <a:cs typeface="Arial" panose="020B0604020202020204" pitchFamily="34" charset="0"/>
+              </a:rPr>
+              <a:t>#!annotation-source NCBI RefSeq </a:t>
+            </a:r>
+          </a:p>
+          <a:p>
+            <a:r>
+              <a:rPr lang="zh-TW" altLang="en-US" sz="1600" dirty="0">
+                <a:latin typeface="Arial" panose="020B0604020202020204" pitchFamily="34" charset="0"/>
+                <a:cs typeface="Arial" panose="020B0604020202020204" pitchFamily="34" charset="0"/>
+              </a:rPr>
+              <a:t>##sequence-region NC_003030.1 1 3940880</a:t>
+            </a:r>
+          </a:p>
+          <a:p>
+            <a:r>
+              <a:rPr lang="zh-TW" altLang="en-US" sz="1600" dirty="0">
+                <a:latin typeface="Arial" panose="020B0604020202020204" pitchFamily="34" charset="0"/>
+                <a:cs typeface="Arial" panose="020B0604020202020204" pitchFamily="34" charset="0"/>
+              </a:rPr>
+              <a:t>##species https://www.ncbi.nlm.nih.gov/Taxonomy/Browser/wwwtax.cgi?id=272562</a:t>
+            </a:r>
+          </a:p>
+          <a:p>
+            <a:r>
+              <a:rPr lang="zh-TW" altLang="en-US" sz="1600" dirty="0">
+                <a:latin typeface="Arial" panose="020B0604020202020204" pitchFamily="34" charset="0"/>
+                <a:cs typeface="Arial" panose="020B0604020202020204" pitchFamily="34" charset="0"/>
+              </a:rPr>
+              <a:t>NC_003030.1	RefSeq	region	1	3940880	.	+	.	ID=NC_003030.1:1..3940880;Dbxref=ATCC:824,taxon:272562;Is_circular=true;Name=ANONYMOUS;gbkey=Src;genome=chromosome;mol_type=genomic DNA;strain=ATCC 824;type-material=type strain of Clostridium acetobutylicum</a:t>
+            </a:r>
+          </a:p>
+          <a:p>
+            <a:r>
+              <a:rPr lang="zh-TW" altLang="en-US" sz="1600" dirty="0">
+                <a:latin typeface="Arial" panose="020B0604020202020204" pitchFamily="34" charset="0"/>
+                <a:cs typeface="Arial" panose="020B0604020202020204" pitchFamily="34" charset="0"/>
+              </a:rPr>
+              <a:t>NC_003030.1	RefSeq	gene	467	1807	.	+	.	ID=gene-CA_RS00005;Name=dnaA;gbkey=Gene;gene=dnaA;gene_biotype=protein_coding;locus_tag=CA_RS00005;old_locus_tag=CA_C0001</a:t>
+            </a:r>
+          </a:p>
+          <a:p>
+            <a:r>
+              <a:rPr lang="zh-TW" altLang="en-US" sz="1600" dirty="0">
+                <a:latin typeface="Arial" panose="020B0604020202020204" pitchFamily="34" charset="0"/>
+                <a:cs typeface="Arial" panose="020B0604020202020204" pitchFamily="34" charset="0"/>
+              </a:rPr>
+              <a:t>NC_003030.1	Protein Homology	CDS	467	1807	.	+	0	ID=cds-WP_010963330.1;Parent=gene-CA_RS00005;Dbxref=Genbank:WP_010963330.1;Name=WP_010963330.1;gbkey=CDS;gene=dnaA;inference=COORDINATES: similar to AA sequence:RefSeq:WP_010963330.1;locus_tag=CA_RS00005;product=chromosomal replication initiator protein DnaA;protein_id=WP_010963330.1;transl_table=11</a:t>
+            </a:r>
+          </a:p>
+          <a:p>
+            <a:r>
+              <a:rPr lang="zh-TW" altLang="en-US" sz="1600" dirty="0">
+                <a:latin typeface="Arial" panose="020B0604020202020204" pitchFamily="34" charset="0"/>
+                <a:cs typeface="Arial" panose="020B0604020202020204" pitchFamily="34" charset="0"/>
+              </a:rPr>
+              <a:t>NC_003030.1	RefSeq	gene	2064	3164	.	+	.	ID=gene-CA_RS00010;Name=CA_RS00010;gbkey=Gene;gene_biotype=protein_coding;locus_tag=CA_RS00010;old_locus_tag=CA_C0002</a:t>
+            </a:r>
+          </a:p>
+          <a:p>
+            <a:r>
+              <a:rPr lang="zh-TW" altLang="en-US" sz="1600" dirty="0">
+                <a:latin typeface="Arial" panose="020B0604020202020204" pitchFamily="34" charset="0"/>
+                <a:cs typeface="Arial" panose="020B0604020202020204" pitchFamily="34" charset="0"/>
+              </a:rPr>
+              <a:t>NC_003030.1	Protein Homology	CDS	2064	3164	.	+	0	ID=cds-WP_010963331.1;Parent=gene-CA_RS00010;Dbxref=Genbank:WP_010963331.1;Name=WP_010963331.1;gbkey=CDS;inference=COORDINATES: similar to AA sequence:RefSeq:WP_010963331.1;locus_tag=CA_RS00010;product=DNA polymerase III subunit beta;protein_id=WP_010963331.1;transl_table=11</a:t>
+            </a:r>
+          </a:p>
+          <a:p>
+            <a:r>
+              <a:rPr lang="zh-TW" altLang="en-US" sz="1600" dirty="0">
+                <a:latin typeface="Arial" panose="020B0604020202020204" pitchFamily="34" charset="0"/>
+                <a:cs typeface="Arial" panose="020B0604020202020204" pitchFamily="34" charset="0"/>
+              </a:rPr>
+              <a:t>NC_003030.1	RefSeq	gene	3195	3401	.	+	.	ID=gene-CA_RS00015;Name=yaaA;gbkey=Gene;gene=yaaA;gene_biotype=protein_coding;locus_tag=CA_RS00015;old_locus_tag=CA_C0003</a:t>
+            </a:r>
+          </a:p>
+          <a:p>
+            <a:r>
+              <a:rPr lang="zh-TW" altLang="en-US" sz="1600" dirty="0">
+                <a:latin typeface="Arial" panose="020B0604020202020204" pitchFamily="34" charset="0"/>
+                <a:cs typeface="Arial" panose="020B0604020202020204" pitchFamily="34" charset="0"/>
+              </a:rPr>
+              <a:t>NC_003030.1	Protein Homology	CDS	3195	3401	.	+	0	ID=cds-WP_010963332.1;Parent=gene-CA_RS00015;Dbxref=Genbank:WP_010963332.1;Name=WP_010963332.1;gbkey=CDS;gene=yaaA;inference=COORDINATES: similar to AA sequence:RefSeq:WP_003451038.1;locus_tag=CA_RS00015;product=S4 domain-containing protein YaaA;protein_id=WP_010963332.1;transl_table=11</a:t>
+            </a:r>
+          </a:p>
+          <a:p>
+            <a:r>
+              <a:rPr lang="zh-TW" altLang="en-US" sz="1600" dirty="0">
+                <a:latin typeface="Arial" panose="020B0604020202020204" pitchFamily="34" charset="0"/>
+                <a:cs typeface="Arial" panose="020B0604020202020204" pitchFamily="34" charset="0"/>
+              </a:rPr>
+              <a:t>NC_003030.1	RefSeq	gene	3447	4538	.	+	.	ID=gene-CA_RS00020;Name=recF;gbkey=Gene;gene=recF;gene_biotype=protein_coding;locus_tag=CA_RS00020;old_locus_tag=CA_C0004</a:t>
+            </a:r>
+          </a:p>
+          <a:p>
+            <a:r>
+              <a:rPr lang="zh-TW" altLang="en-US" sz="1600" dirty="0">
+                <a:latin typeface="Arial" panose="020B0604020202020204" pitchFamily="34" charset="0"/>
+                <a:cs typeface="Arial" panose="020B0604020202020204" pitchFamily="34" charset="0"/>
+              </a:rPr>
+              <a:t>NC_003030.1	Protein Homology	CDS	3447	4538	.	+	0	ID=cds-WP_010963333.1;Parent=gene-CA_RS00020;Dbxref=Genbank:WP_010963333.1;Name=WP_010963333.1;gbkey=CDS;gene=recF;inference=COORDINATES: similar to AA sequence:RefSeq:WP_010963333.1;locus_tag=CA_RS00020;product=DNA replication/repair protein RecF;protein_id=WP_010963333.1;transl_table=11</a:t>
+            </a:r>
+          </a:p>
+          <a:p>
+            <a:r>
+              <a:rPr lang="zh-TW" altLang="en-US" sz="1600" dirty="0">
+                <a:latin typeface="Arial" panose="020B0604020202020204" pitchFamily="34" charset="0"/>
+                <a:cs typeface="Arial" panose="020B0604020202020204" pitchFamily="34" charset="0"/>
+              </a:rPr>
+              <a:t>NC_003030.1	RefSeq	gene	4558	4821	.	+	.	ID=gene-CA_RS00025;Name=CA_RS00025;gbkey=Gene;gene_biotype=protein_coding;locus_tag=CA_RS00025;old_locus_tag=CA_C0005</a:t>
+            </a:r>
+            <a:endParaRPr lang="en-US" altLang="zh-TW" sz="1600" dirty="0">
+              <a:latin typeface="Arial" panose="020B0604020202020204" pitchFamily="34" charset="0"/>
+              <a:cs typeface="Arial" panose="020B0604020202020204" pitchFamily="34" charset="0"/>
+            </a:endParaRPr>
+          </a:p>
+          <a:p>
+            <a:endParaRPr lang="zh-TW" altLang="en-US" sz="1600" dirty="0">
+              <a:latin typeface="Arial" panose="020B0604020202020204" pitchFamily="34" charset="0"/>
+              <a:cs typeface="Arial" panose="020B0604020202020204" pitchFamily="34" charset="0"/>
+            </a:endParaRPr>
+          </a:p>
+        </p:txBody>
+      </p:sp>
+    </p:spTree>
+    <p:extLst>
+      <p:ext uri="{BB962C8B-B14F-4D97-AF65-F5344CB8AC3E}">
+        <p14:creationId xmlns:p14="http://schemas.microsoft.com/office/powerpoint/2010/main" val="3644841056"/>
       </p:ext>
     </p:extLst>
   </p:cSld>
@@ -9110,6 +9834,59 @@
           </p:sp>
         </p:grpSp>
       </p:grpSp>
+      <p:sp>
+        <p:nvSpPr>
+          <p:cNvPr id="23" name="矩形 22">
+            <a:extLst>
+              <a:ext uri="{FF2B5EF4-FFF2-40B4-BE49-F238E27FC236}">
+                <a16:creationId xmlns:a16="http://schemas.microsoft.com/office/drawing/2014/main" id="{75F196A0-415A-4593-B119-539770C0A1CB}"/>
+              </a:ext>
+            </a:extLst>
+          </p:cNvPr>
+          <p:cNvSpPr/>
+          <p:nvPr/>
+        </p:nvSpPr>
+        <p:spPr>
+          <a:xfrm>
+            <a:off x="5717470" y="2767556"/>
+            <a:ext cx="4177157" cy="1032743"/>
+          </a:xfrm>
+          <a:prstGeom prst="rect">
+            <a:avLst/>
+          </a:prstGeom>
+          <a:noFill/>
+          <a:ln w="28575">
+            <a:solidFill>
+              <a:srgbClr val="FF0000"/>
+            </a:solidFill>
+            <a:prstDash val="dash"/>
+          </a:ln>
+        </p:spPr>
+        <p:style>
+          <a:lnRef idx="2">
+            <a:schemeClr val="accent1">
+              <a:shade val="50000"/>
+            </a:schemeClr>
+          </a:lnRef>
+          <a:fillRef idx="1">
+            <a:schemeClr val="accent1"/>
+          </a:fillRef>
+          <a:effectRef idx="0">
+            <a:schemeClr val="accent1"/>
+          </a:effectRef>
+          <a:fontRef idx="minor">
+            <a:schemeClr val="lt1"/>
+          </a:fontRef>
+        </p:style>
+        <p:txBody>
+          <a:bodyPr rtlCol="0" anchor="ctr"/>
+          <a:lstStyle/>
+          <a:p>
+            <a:pPr algn="ctr"/>
+            <a:endParaRPr lang="zh-TW" altLang="en-US"/>
+          </a:p>
+        </p:txBody>
+      </p:sp>
     </p:spTree>
     <p:extLst>
       <p:ext uri="{BB962C8B-B14F-4D97-AF65-F5344CB8AC3E}">
@@ -9446,6 +10223,59 @@
                       </p:childTnLst>
                     </p:cTn>
                   </p:par>
+                  <p:par>
+                    <p:cTn id="33" fill="hold">
+                      <p:stCondLst>
+                        <p:cond delay="indefinite"/>
+                      </p:stCondLst>
+                      <p:childTnLst>
+                        <p:par>
+                          <p:cTn id="34" fill="hold">
+                            <p:stCondLst>
+                              <p:cond delay="0"/>
+                            </p:stCondLst>
+                            <p:childTnLst>
+                              <p:par>
+                                <p:cTn id="35" presetID="22" presetClass="entr" presetSubtype="8" fill="hold" grpId="0" nodeType="clickEffect">
+                                  <p:stCondLst>
+                                    <p:cond delay="0"/>
+                                  </p:stCondLst>
+                                  <p:childTnLst>
+                                    <p:set>
+                                      <p:cBhvr>
+                                        <p:cTn id="36" dur="1" fill="hold">
+                                          <p:stCondLst>
+                                            <p:cond delay="0"/>
+                                          </p:stCondLst>
+                                        </p:cTn>
+                                        <p:tgtEl>
+                                          <p:spTgt spid="23"/>
+                                        </p:tgtEl>
+                                        <p:attrNameLst>
+                                          <p:attrName>style.visibility</p:attrName>
+                                        </p:attrNameLst>
+                                      </p:cBhvr>
+                                      <p:to>
+                                        <p:strVal val="visible"/>
+                                      </p:to>
+                                    </p:set>
+                                    <p:animEffect transition="in" filter="wipe(left)">
+                                      <p:cBhvr>
+                                        <p:cTn id="37" dur="500"/>
+                                        <p:tgtEl>
+                                          <p:spTgt spid="23"/>
+                                        </p:tgtEl>
+                                      </p:cBhvr>
+                                    </p:animEffect>
+                                  </p:childTnLst>
+                                </p:cTn>
+                              </p:par>
+                            </p:childTnLst>
+                          </p:cTn>
+                        </p:par>
+                      </p:childTnLst>
+                    </p:cTn>
+                  </p:par>
                 </p:childTnLst>
               </p:cTn>
               <p:prevCondLst>
@@ -9467,6 +10297,9 @@
         </p:cTn>
       </p:par>
     </p:tnLst>
+    <p:bldLst>
+      <p:bldP spid="23" grpId="0" animBg="1"/>
+    </p:bldLst>
   </p:timing>
 </p:sld>
 </file>
@@ -9610,7 +10443,11 @@
           <a:lstStyle/>
           <a:p>
             <a:r>
-              <a:rPr lang="en-US" altLang="zh-TW" dirty="0"/>
+              <a:rPr lang="en-US" altLang="zh-TW" dirty="0">
+                <a:latin typeface="Arial" panose="020B0604020202020204" pitchFamily="34" charset="0"/>
+                <a:ea typeface="微軟正黑體" panose="020B0604030504040204" pitchFamily="34" charset="-120"/>
+                <a:cs typeface="Arial" panose="020B0604020202020204" pitchFamily="34" charset="0"/>
+              </a:rPr>
               <a:t>Regex (</a:t>
             </a:r>
             <a:r>
@@ -9619,7 +10456,9 @@
                   <a:srgbClr val="1A1A1A"/>
                 </a:solidFill>
                 <a:effectLst/>
-                <a:latin typeface="Lucida Grande"/>
+                <a:latin typeface="Arial" panose="020B0604020202020204" pitchFamily="34" charset="0"/>
+                <a:ea typeface="微軟正黑體" panose="020B0604030504040204" pitchFamily="34" charset="-120"/>
+                <a:cs typeface="Arial" panose="020B0604020202020204" pitchFamily="34" charset="0"/>
               </a:rPr>
               <a:t>Regular expression </a:t>
             </a:r>
@@ -9629,15 +10468,25 @@
                   <a:srgbClr val="1A1A1A"/>
                 </a:solidFill>
                 <a:effectLst/>
-                <a:latin typeface="Lucida Grande"/>
+                <a:latin typeface="Arial" panose="020B0604020202020204" pitchFamily="34" charset="0"/>
+                <a:ea typeface="微軟正黑體" panose="020B0604030504040204" pitchFamily="34" charset="-120"/>
+                <a:cs typeface="Arial" panose="020B0604020202020204" pitchFamily="34" charset="0"/>
               </a:rPr>
               <a:t>正規表示式</a:t>
             </a:r>
             <a:r>
-              <a:rPr lang="en-US" altLang="zh-TW" dirty="0"/>
+              <a:rPr lang="en-US" altLang="zh-TW" dirty="0">
+                <a:latin typeface="Arial" panose="020B0604020202020204" pitchFamily="34" charset="0"/>
+                <a:ea typeface="微軟正黑體" panose="020B0604030504040204" pitchFamily="34" charset="-120"/>
+                <a:cs typeface="Arial" panose="020B0604020202020204" pitchFamily="34" charset="0"/>
+              </a:rPr>
               <a:t>)</a:t>
             </a:r>
-            <a:endParaRPr lang="zh-TW" altLang="en-US" dirty="0"/>
+            <a:endParaRPr lang="zh-TW" altLang="en-US" dirty="0">
+              <a:latin typeface="Arial" panose="020B0604020202020204" pitchFamily="34" charset="0"/>
+              <a:ea typeface="微軟正黑體" panose="020B0604030504040204" pitchFamily="34" charset="-120"/>
+              <a:cs typeface="Arial" panose="020B0604020202020204" pitchFamily="34" charset="0"/>
+            </a:endParaRPr>
           </a:p>
         </p:txBody>
       </p:sp>
@@ -9663,23 +10512,43 @@
           <a:lstStyle/>
           <a:p>
             <a:r>
-              <a:rPr lang="en-US" altLang="zh-TW" dirty="0"/>
+              <a:rPr lang="en-US" altLang="zh-TW" dirty="0">
+                <a:latin typeface="Arial" panose="020B0604020202020204" pitchFamily="34" charset="0"/>
+                <a:ea typeface="微軟正黑體" panose="020B0604030504040204" pitchFamily="34" charset="-120"/>
+                <a:cs typeface="Arial" panose="020B0604020202020204" pitchFamily="34" charset="0"/>
+              </a:rPr>
               <a:t>Python </a:t>
             </a:r>
             <a:r>
-              <a:rPr lang="zh-TW" altLang="en-US" dirty="0"/>
+              <a:rPr lang="zh-TW" altLang="en-US" dirty="0">
+                <a:latin typeface="Arial" panose="020B0604020202020204" pitchFamily="34" charset="0"/>
+                <a:ea typeface="微軟正黑體" panose="020B0604030504040204" pitchFamily="34" charset="-120"/>
+                <a:cs typeface="Arial" panose="020B0604020202020204" pitchFamily="34" charset="0"/>
+              </a:rPr>
               <a:t>中使用 </a:t>
             </a:r>
             <a:r>
-              <a:rPr lang="en-US" altLang="zh-TW" dirty="0"/>
+              <a:rPr lang="en-US" altLang="zh-TW" dirty="0">
+                <a:latin typeface="Arial" panose="020B0604020202020204" pitchFamily="34" charset="0"/>
+                <a:ea typeface="微軟正黑體" panose="020B0604030504040204" pitchFamily="34" charset="-120"/>
+                <a:cs typeface="Arial" panose="020B0604020202020204" pitchFamily="34" charset="0"/>
+              </a:rPr>
               <a:t>re </a:t>
             </a:r>
             <a:r>
-              <a:rPr lang="zh-TW" altLang="en-US" dirty="0"/>
+              <a:rPr lang="zh-TW" altLang="en-US" dirty="0">
+                <a:latin typeface="Arial" panose="020B0604020202020204" pitchFamily="34" charset="0"/>
+                <a:ea typeface="微軟正黑體" panose="020B0604030504040204" pitchFamily="34" charset="-120"/>
+                <a:cs typeface="Arial" panose="020B0604020202020204" pitchFamily="34" charset="0"/>
+              </a:rPr>
               <a:t>的模組來實現，因此開始使用前需要先</a:t>
             </a:r>
             <a:r>
-              <a:rPr lang="en-US" altLang="zh-TW" dirty="0"/>
+              <a:rPr lang="en-US" altLang="zh-TW" dirty="0">
+                <a:latin typeface="Arial" panose="020B0604020202020204" pitchFamily="34" charset="0"/>
+                <a:ea typeface="微軟正黑體" panose="020B0604030504040204" pitchFamily="34" charset="-120"/>
+                <a:cs typeface="Arial" panose="020B0604020202020204" pitchFamily="34" charset="0"/>
+              </a:rPr>
               <a:t>:</a:t>
             </a:r>
           </a:p>
@@ -9690,100 +10559,331 @@
                 <a:solidFill>
                   <a:srgbClr val="A365D1"/>
                 </a:solidFill>
+                <a:latin typeface="Arial" panose="020B0604020202020204" pitchFamily="34" charset="0"/>
+                <a:ea typeface="微軟正黑體" panose="020B0604030504040204" pitchFamily="34" charset="-120"/>
+                <a:cs typeface="Arial" panose="020B0604020202020204" pitchFamily="34" charset="0"/>
               </a:rPr>
               <a:t>import</a:t>
             </a:r>
             <a:r>
-              <a:rPr lang="en-US" altLang="zh-TW" dirty="0"/>
+              <a:rPr lang="en-US" altLang="zh-TW" dirty="0">
+                <a:latin typeface="Arial" panose="020B0604020202020204" pitchFamily="34" charset="0"/>
+                <a:ea typeface="微軟正黑體" panose="020B0604030504040204" pitchFamily="34" charset="-120"/>
+                <a:cs typeface="Arial" panose="020B0604020202020204" pitchFamily="34" charset="0"/>
+              </a:rPr>
               <a:t> re</a:t>
             </a:r>
           </a:p>
           <a:p>
-            <a:endParaRPr lang="en-US" altLang="zh-TW" dirty="0"/>
-          </a:p>
-          <a:p>
+            <a:endParaRPr lang="en-US" altLang="zh-TW" dirty="0">
+              <a:latin typeface="Arial" panose="020B0604020202020204" pitchFamily="34" charset="0"/>
+              <a:ea typeface="微軟正黑體" panose="020B0604030504040204" pitchFamily="34" charset="-120"/>
+              <a:cs typeface="Arial" panose="020B0604020202020204" pitchFamily="34" charset="0"/>
+            </a:endParaRPr>
+          </a:p>
+          <a:p>
+            <a:r>
+              <a:rPr lang="zh-TW" altLang="en-US" dirty="0">
+                <a:latin typeface="Arial" panose="020B0604020202020204" pitchFamily="34" charset="0"/>
+                <a:ea typeface="微軟正黑體" panose="020B0604030504040204" pitchFamily="34" charset="-120"/>
+                <a:cs typeface="Arial" panose="020B0604020202020204" pitchFamily="34" charset="0"/>
+              </a:rPr>
+              <a:t>四種比對方式</a:t>
+            </a:r>
+            <a:r>
+              <a:rPr lang="en-US" altLang="zh-TW" dirty="0">
+                <a:latin typeface="Arial" panose="020B0604020202020204" pitchFamily="34" charset="0"/>
+                <a:ea typeface="微軟正黑體" panose="020B0604030504040204" pitchFamily="34" charset="-120"/>
+                <a:cs typeface="Arial" panose="020B0604020202020204" pitchFamily="34" charset="0"/>
+              </a:rPr>
+              <a:t>:</a:t>
+            </a:r>
+          </a:p>
+          <a:p>
+            <a:pPr lvl="1"/>
             <a:r>
               <a:rPr lang="sv-SE" altLang="zh-TW" b="0" i="0" dirty="0">
-                <a:solidFill>
-                  <a:srgbClr val="666666"/>
-                </a:solidFill>
                 <a:effectLst/>
-                <a:latin typeface="Source Sans Pro" panose="020B0604020202020204" pitchFamily="34" charset="0"/>
-              </a:rPr>
-              <a:t>re.match(pattern, string[, flags])</a:t>
-            </a:r>
-          </a:p>
-          <a:p>
+                <a:latin typeface="Arial" panose="020B0604020202020204" pitchFamily="34" charset="0"/>
+                <a:ea typeface="微軟正黑體" panose="020B0604030504040204" pitchFamily="34" charset="-120"/>
+                <a:cs typeface="Arial" panose="020B0604020202020204" pitchFamily="34" charset="0"/>
+              </a:rPr>
+              <a:t>re.match</a:t>
+            </a:r>
+            <a:r>
+              <a:rPr lang="zh-TW" altLang="en-US" b="0" i="0" dirty="0">
+                <a:effectLst/>
+                <a:latin typeface="Arial" panose="020B0604020202020204" pitchFamily="34" charset="0"/>
+                <a:ea typeface="微軟正黑體" panose="020B0604030504040204" pitchFamily="34" charset="-120"/>
+                <a:cs typeface="Arial" panose="020B0604020202020204" pitchFamily="34" charset="0"/>
+              </a:rPr>
+              <a:t> </a:t>
+            </a:r>
             <a:r>
               <a:rPr lang="sv-SE" altLang="zh-TW" b="0" i="0" dirty="0">
-                <a:solidFill>
-                  <a:srgbClr val="666666"/>
-                </a:solidFill>
                 <a:effectLst/>
-                <a:latin typeface="Source Sans Pro" panose="020B0503030403020204" pitchFamily="34" charset="0"/>
-              </a:rPr>
-              <a:t>re.search(pattern, string[, flags])</a:t>
+                <a:latin typeface="Arial" panose="020B0604020202020204" pitchFamily="34" charset="0"/>
+                <a:ea typeface="微軟正黑體" panose="020B0604030504040204" pitchFamily="34" charset="-120"/>
+                <a:cs typeface="Arial" panose="020B0604020202020204" pitchFamily="34" charset="0"/>
+              </a:rPr>
+              <a:t>(</a:t>
+            </a:r>
+            <a:r>
+              <a:rPr lang="zh-TW" altLang="en-US" b="0" i="0" dirty="0">
+                <a:effectLst/>
+                <a:latin typeface="Arial" panose="020B0604020202020204" pitchFamily="34" charset="0"/>
+                <a:ea typeface="微軟正黑體" panose="020B0604030504040204" pitchFamily="34" charset="-120"/>
+                <a:cs typeface="Arial" panose="020B0604020202020204" pitchFamily="34" charset="0"/>
+              </a:rPr>
+              <a:t> </a:t>
+            </a:r>
+            <a:r>
+              <a:rPr lang="sv-SE" altLang="zh-TW" b="0" i="0" dirty="0">
+                <a:effectLst/>
+                <a:latin typeface="Arial" panose="020B0604020202020204" pitchFamily="34" charset="0"/>
+                <a:ea typeface="微軟正黑體" panose="020B0604030504040204" pitchFamily="34" charset="-120"/>
+                <a:cs typeface="Arial" panose="020B0604020202020204" pitchFamily="34" charset="0"/>
+              </a:rPr>
+              <a:t>pattern, string[, flags]</a:t>
+            </a:r>
+            <a:r>
+              <a:rPr lang="zh-TW" altLang="en-US" b="0" i="0" dirty="0">
+                <a:effectLst/>
+                <a:latin typeface="Arial" panose="020B0604020202020204" pitchFamily="34" charset="0"/>
+                <a:ea typeface="微軟正黑體" panose="020B0604030504040204" pitchFamily="34" charset="-120"/>
+                <a:cs typeface="Arial" panose="020B0604020202020204" pitchFamily="34" charset="0"/>
+              </a:rPr>
+              <a:t> </a:t>
+            </a:r>
+            <a:r>
+              <a:rPr lang="sv-SE" altLang="zh-TW" b="0" i="0" dirty="0">
+                <a:effectLst/>
+                <a:latin typeface="Arial" panose="020B0604020202020204" pitchFamily="34" charset="0"/>
+                <a:ea typeface="微軟正黑體" panose="020B0604030504040204" pitchFamily="34" charset="-120"/>
+                <a:cs typeface="Arial" panose="020B0604020202020204" pitchFamily="34" charset="0"/>
+              </a:rPr>
+              <a:t>)</a:t>
+            </a:r>
+          </a:p>
+          <a:p>
+            <a:pPr lvl="1"/>
+            <a:r>
+              <a:rPr lang="sv-SE" altLang="zh-TW" b="0" i="0" dirty="0">
+                <a:effectLst/>
+                <a:latin typeface="Arial" panose="020B0604020202020204" pitchFamily="34" charset="0"/>
+                <a:ea typeface="微軟正黑體" panose="020B0604030504040204" pitchFamily="34" charset="-120"/>
+                <a:cs typeface="Arial" panose="020B0604020202020204" pitchFamily="34" charset="0"/>
+              </a:rPr>
+              <a:t>re.search</a:t>
+            </a:r>
+            <a:r>
+              <a:rPr lang="zh-TW" altLang="en-US" b="0" i="0" dirty="0">
+                <a:effectLst/>
+                <a:latin typeface="Arial" panose="020B0604020202020204" pitchFamily="34" charset="0"/>
+                <a:ea typeface="微軟正黑體" panose="020B0604030504040204" pitchFamily="34" charset="-120"/>
+                <a:cs typeface="Arial" panose="020B0604020202020204" pitchFamily="34" charset="0"/>
+              </a:rPr>
+              <a:t> </a:t>
+            </a:r>
+            <a:r>
+              <a:rPr lang="sv-SE" altLang="zh-TW" b="0" i="0" dirty="0">
+                <a:effectLst/>
+                <a:latin typeface="Arial" panose="020B0604020202020204" pitchFamily="34" charset="0"/>
+                <a:ea typeface="微軟正黑體" panose="020B0604030504040204" pitchFamily="34" charset="-120"/>
+                <a:cs typeface="Arial" panose="020B0604020202020204" pitchFamily="34" charset="0"/>
+              </a:rPr>
+              <a:t>(</a:t>
+            </a:r>
+            <a:r>
+              <a:rPr lang="zh-TW" altLang="en-US" b="0" i="0" dirty="0">
+                <a:effectLst/>
+                <a:latin typeface="Arial" panose="020B0604020202020204" pitchFamily="34" charset="0"/>
+                <a:ea typeface="微軟正黑體" panose="020B0604030504040204" pitchFamily="34" charset="-120"/>
+                <a:cs typeface="Arial" panose="020B0604020202020204" pitchFamily="34" charset="0"/>
+              </a:rPr>
+              <a:t> </a:t>
+            </a:r>
+            <a:r>
+              <a:rPr lang="sv-SE" altLang="zh-TW" b="0" i="0" dirty="0">
+                <a:effectLst/>
+                <a:latin typeface="Arial" panose="020B0604020202020204" pitchFamily="34" charset="0"/>
+                <a:ea typeface="微軟正黑體" panose="020B0604030504040204" pitchFamily="34" charset="-120"/>
+                <a:cs typeface="Arial" panose="020B0604020202020204" pitchFamily="34" charset="0"/>
+              </a:rPr>
+              <a:t>pattern, string[, flags]</a:t>
+            </a:r>
+            <a:r>
+              <a:rPr lang="zh-TW" altLang="en-US" b="0" i="0" dirty="0">
+                <a:effectLst/>
+                <a:latin typeface="Arial" panose="020B0604020202020204" pitchFamily="34" charset="0"/>
+                <a:ea typeface="微軟正黑體" panose="020B0604030504040204" pitchFamily="34" charset="-120"/>
+                <a:cs typeface="Arial" panose="020B0604020202020204" pitchFamily="34" charset="0"/>
+              </a:rPr>
+              <a:t> </a:t>
+            </a:r>
+            <a:r>
+              <a:rPr lang="sv-SE" altLang="zh-TW" b="0" i="0" dirty="0">
+                <a:effectLst/>
+                <a:latin typeface="Arial" panose="020B0604020202020204" pitchFamily="34" charset="0"/>
+                <a:ea typeface="微軟正黑體" panose="020B0604030504040204" pitchFamily="34" charset="-120"/>
+                <a:cs typeface="Arial" panose="020B0604020202020204" pitchFamily="34" charset="0"/>
+              </a:rPr>
+              <a:t>)</a:t>
             </a:r>
             <a:endParaRPr lang="sv-SE" altLang="zh-TW" dirty="0">
-              <a:solidFill>
-                <a:srgbClr val="666666"/>
-              </a:solidFill>
-              <a:latin typeface="Source Sans Pro" panose="020B0604020202020204" pitchFamily="34" charset="0"/>
+              <a:latin typeface="Arial" panose="020B0604020202020204" pitchFamily="34" charset="0"/>
+              <a:ea typeface="微軟正黑體" panose="020B0604030504040204" pitchFamily="34" charset="-120"/>
+              <a:cs typeface="Arial" panose="020B0604020202020204" pitchFamily="34" charset="0"/>
             </a:endParaRPr>
           </a:p>
           <a:p>
+            <a:pPr lvl="1"/>
             <a:r>
               <a:rPr lang="en-US" altLang="zh-TW" b="0" i="0" dirty="0" err="1">
-                <a:solidFill>
-                  <a:srgbClr val="666666"/>
-                </a:solidFill>
                 <a:effectLst/>
-                <a:latin typeface="Source Sans Pro" panose="020B0503030403020204" pitchFamily="34" charset="0"/>
+                <a:latin typeface="Arial" panose="020B0604020202020204" pitchFamily="34" charset="0"/>
+                <a:ea typeface="微軟正黑體" panose="020B0604030504040204" pitchFamily="34" charset="-120"/>
+                <a:cs typeface="Arial" panose="020B0604020202020204" pitchFamily="34" charset="0"/>
               </a:rPr>
               <a:t>re.findall</a:t>
             </a:r>
             <a:r>
+              <a:rPr lang="zh-TW" altLang="en-US" b="0" i="0" dirty="0">
+                <a:effectLst/>
+                <a:latin typeface="Arial" panose="020B0604020202020204" pitchFamily="34" charset="0"/>
+                <a:ea typeface="微軟正黑體" panose="020B0604030504040204" pitchFamily="34" charset="-120"/>
+                <a:cs typeface="Arial" panose="020B0604020202020204" pitchFamily="34" charset="0"/>
+              </a:rPr>
+              <a:t> </a:t>
+            </a:r>
+            <a:r>
               <a:rPr lang="en-US" altLang="zh-TW" b="0" i="0" dirty="0">
-                <a:solidFill>
-                  <a:srgbClr val="666666"/>
-                </a:solidFill>
                 <a:effectLst/>
-                <a:latin typeface="Source Sans Pro" panose="020B0503030403020204" pitchFamily="34" charset="0"/>
-              </a:rPr>
-              <a:t>(pattern, string[, flags])</a:t>
+                <a:latin typeface="Arial" panose="020B0604020202020204" pitchFamily="34" charset="0"/>
+                <a:ea typeface="微軟正黑體" panose="020B0604030504040204" pitchFamily="34" charset="-120"/>
+                <a:cs typeface="Arial" panose="020B0604020202020204" pitchFamily="34" charset="0"/>
+              </a:rPr>
+              <a:t>(</a:t>
+            </a:r>
+            <a:r>
+              <a:rPr lang="zh-TW" altLang="en-US" b="0" i="0" dirty="0">
+                <a:effectLst/>
+                <a:latin typeface="Arial" panose="020B0604020202020204" pitchFamily="34" charset="0"/>
+                <a:ea typeface="微軟正黑體" panose="020B0604030504040204" pitchFamily="34" charset="-120"/>
+                <a:cs typeface="Arial" panose="020B0604020202020204" pitchFamily="34" charset="0"/>
+              </a:rPr>
+              <a:t> </a:t>
+            </a:r>
+            <a:r>
+              <a:rPr lang="en-US" altLang="zh-TW" b="0" i="0" dirty="0">
+                <a:effectLst/>
+                <a:latin typeface="Arial" panose="020B0604020202020204" pitchFamily="34" charset="0"/>
+                <a:ea typeface="微軟正黑體" panose="020B0604030504040204" pitchFamily="34" charset="-120"/>
+                <a:cs typeface="Arial" panose="020B0604020202020204" pitchFamily="34" charset="0"/>
+              </a:rPr>
+              <a:t>pattern, string[, flags]</a:t>
+            </a:r>
+            <a:r>
+              <a:rPr lang="zh-TW" altLang="en-US" b="0" i="0" dirty="0">
+                <a:effectLst/>
+                <a:latin typeface="Arial" panose="020B0604020202020204" pitchFamily="34" charset="0"/>
+                <a:ea typeface="微軟正黑體" panose="020B0604030504040204" pitchFamily="34" charset="-120"/>
+                <a:cs typeface="Arial" panose="020B0604020202020204" pitchFamily="34" charset="0"/>
+              </a:rPr>
+              <a:t> </a:t>
+            </a:r>
+            <a:r>
+              <a:rPr lang="en-US" altLang="zh-TW" b="0" i="0" dirty="0">
+                <a:effectLst/>
+                <a:latin typeface="Arial" panose="020B0604020202020204" pitchFamily="34" charset="0"/>
+                <a:ea typeface="微軟正黑體" panose="020B0604030504040204" pitchFamily="34" charset="-120"/>
+                <a:cs typeface="Arial" panose="020B0604020202020204" pitchFamily="34" charset="0"/>
+              </a:rPr>
+              <a:t>)</a:t>
             </a:r>
             <a:endParaRPr lang="sv-SE" altLang="zh-TW" dirty="0">
-              <a:solidFill>
-                <a:srgbClr val="666666"/>
-              </a:solidFill>
-              <a:latin typeface="Source Sans Pro" panose="020B0604020202020204" pitchFamily="34" charset="0"/>
+              <a:latin typeface="Arial" panose="020B0604020202020204" pitchFamily="34" charset="0"/>
+              <a:ea typeface="微軟正黑體" panose="020B0604030504040204" pitchFamily="34" charset="-120"/>
+              <a:cs typeface="Arial" panose="020B0604020202020204" pitchFamily="34" charset="0"/>
             </a:endParaRPr>
           </a:p>
           <a:p>
+            <a:pPr lvl="1"/>
             <a:r>
               <a:rPr lang="en-US" altLang="zh-TW" b="0" i="0" dirty="0" err="1">
-                <a:solidFill>
-                  <a:srgbClr val="666666"/>
-                </a:solidFill>
                 <a:effectLst/>
-                <a:latin typeface="Source Sans Pro" panose="020B0503030403020204" pitchFamily="34" charset="0"/>
+                <a:latin typeface="Arial" panose="020B0604020202020204" pitchFamily="34" charset="0"/>
+                <a:ea typeface="微軟正黑體" panose="020B0604030504040204" pitchFamily="34" charset="-120"/>
+                <a:cs typeface="Arial" panose="020B0604020202020204" pitchFamily="34" charset="0"/>
               </a:rPr>
               <a:t>re.finditer</a:t>
             </a:r>
             <a:r>
+              <a:rPr lang="zh-TW" altLang="en-US" b="0" i="0" dirty="0">
+                <a:effectLst/>
+                <a:latin typeface="Arial" panose="020B0604020202020204" pitchFamily="34" charset="0"/>
+                <a:ea typeface="微軟正黑體" panose="020B0604030504040204" pitchFamily="34" charset="-120"/>
+                <a:cs typeface="Arial" panose="020B0604020202020204" pitchFamily="34" charset="0"/>
+              </a:rPr>
+              <a:t> </a:t>
+            </a:r>
+            <a:r>
               <a:rPr lang="en-US" altLang="zh-TW" b="0" i="0" dirty="0">
-                <a:solidFill>
-                  <a:srgbClr val="666666"/>
-                </a:solidFill>
                 <a:effectLst/>
-                <a:latin typeface="Source Sans Pro" panose="020B0503030403020204" pitchFamily="34" charset="0"/>
-              </a:rPr>
-              <a:t>(pattern, string[, flags])</a:t>
+                <a:latin typeface="Arial" panose="020B0604020202020204" pitchFamily="34" charset="0"/>
+                <a:ea typeface="微軟正黑體" panose="020B0604030504040204" pitchFamily="34" charset="-120"/>
+                <a:cs typeface="Arial" panose="020B0604020202020204" pitchFamily="34" charset="0"/>
+              </a:rPr>
+              <a:t>(</a:t>
+            </a:r>
+            <a:r>
+              <a:rPr lang="zh-TW" altLang="en-US" b="0" i="0" dirty="0">
+                <a:effectLst/>
+                <a:latin typeface="Arial" panose="020B0604020202020204" pitchFamily="34" charset="0"/>
+                <a:ea typeface="微軟正黑體" panose="020B0604030504040204" pitchFamily="34" charset="-120"/>
+                <a:cs typeface="Arial" panose="020B0604020202020204" pitchFamily="34" charset="0"/>
+              </a:rPr>
+              <a:t> </a:t>
+            </a:r>
+            <a:r>
+              <a:rPr lang="en-US" altLang="zh-TW" b="0" i="0" dirty="0">
+                <a:effectLst/>
+                <a:latin typeface="Arial" panose="020B0604020202020204" pitchFamily="34" charset="0"/>
+                <a:ea typeface="微軟正黑體" panose="020B0604030504040204" pitchFamily="34" charset="-120"/>
+                <a:cs typeface="Arial" panose="020B0604020202020204" pitchFamily="34" charset="0"/>
+              </a:rPr>
+              <a:t>pattern, string[, flags]</a:t>
+            </a:r>
+            <a:r>
+              <a:rPr lang="zh-TW" altLang="en-US" b="0" i="0" dirty="0">
+                <a:effectLst/>
+                <a:latin typeface="Arial" panose="020B0604020202020204" pitchFamily="34" charset="0"/>
+                <a:ea typeface="微軟正黑體" panose="020B0604030504040204" pitchFamily="34" charset="-120"/>
+                <a:cs typeface="Arial" panose="020B0604020202020204" pitchFamily="34" charset="0"/>
+              </a:rPr>
+              <a:t> </a:t>
+            </a:r>
+            <a:r>
+              <a:rPr lang="en-US" altLang="zh-TW" b="0" i="0" dirty="0">
+                <a:effectLst/>
+                <a:latin typeface="Arial" panose="020B0604020202020204" pitchFamily="34" charset="0"/>
+                <a:ea typeface="微軟正黑體" panose="020B0604030504040204" pitchFamily="34" charset="-120"/>
+                <a:cs typeface="Arial" panose="020B0604020202020204" pitchFamily="34" charset="0"/>
+              </a:rPr>
+              <a:t>)</a:t>
             </a:r>
             <a:br>
-              <a:rPr lang="en-US" altLang="zh-TW" dirty="0"/>
+              <a:rPr lang="en-US" altLang="zh-TW" dirty="0">
+                <a:latin typeface="Arial" panose="020B0604020202020204" pitchFamily="34" charset="0"/>
+                <a:ea typeface="微軟正黑體" panose="020B0604030504040204" pitchFamily="34" charset="-120"/>
+                <a:cs typeface="Arial" panose="020B0604020202020204" pitchFamily="34" charset="0"/>
+              </a:rPr>
             </a:br>
-            <a:endParaRPr lang="zh-TW" altLang="en-US" dirty="0"/>
+            <a:endParaRPr lang="zh-TW" altLang="en-US" dirty="0">
+              <a:latin typeface="Arial" panose="020B0604020202020204" pitchFamily="34" charset="0"/>
+              <a:ea typeface="微軟正黑體" panose="020B0604030504040204" pitchFamily="34" charset="-120"/>
+              <a:cs typeface="Arial" panose="020B0604020202020204" pitchFamily="34" charset="0"/>
+            </a:endParaRPr>
           </a:p>
         </p:txBody>
       </p:sp>
@@ -9816,7 +10916,11 @@
           <a:lstStyle/>
           <a:p>
             <a:r>
-              <a:rPr lang="zh-TW" altLang="en-US" dirty="0"/>
+              <a:rPr lang="zh-TW" altLang="en-US" dirty="0">
+                <a:latin typeface="Arial" panose="020B0604020202020204" pitchFamily="34" charset="0"/>
+                <a:ea typeface="微軟正黑體" panose="020B0604030504040204" pitchFamily="34" charset="-120"/>
+                <a:cs typeface="Arial" panose="020B0604020202020204" pitchFamily="34" charset="0"/>
+              </a:rPr>
               <a:t>https://www.itread01.com/p/435642.html</a:t>
             </a:r>
           </a:p>
@@ -9857,7 +10961,7 @@
           <p:cNvPr id="2" name="標題 1">
             <a:extLst>
               <a:ext uri="{FF2B5EF4-FFF2-40B4-BE49-F238E27FC236}">
-                <a16:creationId xmlns:a16="http://schemas.microsoft.com/office/drawing/2014/main" id="{FA212651-C726-4D38-8E64-367B53EC5C40}"/>
+                <a16:creationId xmlns:a16="http://schemas.microsoft.com/office/drawing/2014/main" id="{95E3524F-64C1-4CA2-8445-8FFEDA00DFD9}"/>
               </a:ext>
             </a:extLst>
           </p:cNvPr>
@@ -9865,7 +10969,7 @@
             <a:spLocks noGrp="1"/>
           </p:cNvSpPr>
           <p:nvPr>
-            <p:ph type="ctrTitle"/>
+            <p:ph type="title"/>
           </p:nvPr>
         </p:nvSpPr>
         <p:spPr/>
@@ -9874,58 +10978,1345 @@
           <a:lstStyle/>
           <a:p>
             <a:r>
-              <a:rPr lang="en-US" altLang="zh-TW" dirty="0"/>
-              <a:t>Check</a:t>
-            </a:r>
-            <a:r>
-              <a:rPr lang="zh-TW" altLang="en-US" dirty="0"/>
-              <a:t> </a:t>
-            </a:r>
-            <a:r>
-              <a:rPr lang="en-US" altLang="zh-TW" dirty="0"/>
-              <a:t>mutation</a:t>
-            </a:r>
-            <a:r>
-              <a:rPr lang="zh-TW" altLang="en-US" dirty="0"/>
-              <a:t> </a:t>
-            </a:r>
-            <a:r>
-              <a:rPr lang="en-US" altLang="zh-TW" dirty="0"/>
-              <a:t>position</a:t>
-            </a:r>
-            <a:endParaRPr lang="zh-TW" altLang="en-US" dirty="0"/>
+              <a:rPr lang="en-US" altLang="zh-TW" dirty="0">
+                <a:effectLst/>
+                <a:latin typeface="Arial" panose="020B0604020202020204" pitchFamily="34" charset="0"/>
+                <a:ea typeface="微軟正黑體" panose="020B0604030504040204" pitchFamily="34" charset="-120"/>
+                <a:cs typeface="Arial" panose="020B0604020202020204" pitchFamily="34" charset="0"/>
+              </a:rPr>
+              <a:t>regex </a:t>
+            </a:r>
+            <a:r>
+              <a:rPr lang="zh-TW" altLang="en-US" dirty="0">
+                <a:effectLst/>
+                <a:latin typeface="Arial" panose="020B0604020202020204" pitchFamily="34" charset="0"/>
+                <a:ea typeface="微軟正黑體" panose="020B0604030504040204" pitchFamily="34" charset="-120"/>
+                <a:cs typeface="Arial" panose="020B0604020202020204" pitchFamily="34" charset="0"/>
+              </a:rPr>
+              <a:t>語法</a:t>
+            </a:r>
+            <a:endParaRPr lang="zh-TW" altLang="en-US" dirty="0">
+              <a:latin typeface="Arial" panose="020B0604020202020204" pitchFamily="34" charset="0"/>
+              <a:ea typeface="微軟正黑體" panose="020B0604030504040204" pitchFamily="34" charset="-120"/>
+              <a:cs typeface="Arial" panose="020B0604020202020204" pitchFamily="34" charset="0"/>
+            </a:endParaRPr>
           </a:p>
         </p:txBody>
       </p:sp>
+      <p:graphicFrame>
+        <p:nvGraphicFramePr>
+          <p:cNvPr id="4" name="內容版面配置區 3">
+            <a:extLst>
+              <a:ext uri="{FF2B5EF4-FFF2-40B4-BE49-F238E27FC236}">
+                <a16:creationId xmlns:a16="http://schemas.microsoft.com/office/drawing/2014/main" id="{6B3B6C6B-8654-4DC5-B6EE-B12E83C687A0}"/>
+              </a:ext>
+            </a:extLst>
+          </p:cNvPr>
+          <p:cNvGraphicFramePr>
+            <a:graphicFrameLocks noGrp="1"/>
+          </p:cNvGraphicFramePr>
+          <p:nvPr>
+            <p:ph idx="1"/>
+            <p:extLst>
+              <p:ext uri="{D42A27DB-BD31-4B8C-83A1-F6EECF244321}">
+                <p14:modId xmlns:p14="http://schemas.microsoft.com/office/powerpoint/2010/main" val="1466495414"/>
+              </p:ext>
+            </p:extLst>
+          </p:nvPr>
+        </p:nvGraphicFramePr>
+        <p:xfrm>
+          <a:off x="2113696" y="1965960"/>
+          <a:ext cx="7010400" cy="2926080"/>
+        </p:xfrm>
+        <a:graphic>
+          <a:graphicData uri="http://schemas.openxmlformats.org/drawingml/2006/table">
+            <a:tbl>
+              <a:tblPr/>
+              <a:tblGrid>
+                <a:gridCol w="1448369">
+                  <a:extLst>
+                    <a:ext uri="{9D8B030D-6E8A-4147-A177-3AD203B41FA5}">
+                      <a16:colId xmlns:a16="http://schemas.microsoft.com/office/drawing/2014/main" val="1572068747"/>
+                    </a:ext>
+                  </a:extLst>
+                </a:gridCol>
+                <a:gridCol w="5562031">
+                  <a:extLst>
+                    <a:ext uri="{9D8B030D-6E8A-4147-A177-3AD203B41FA5}">
+                      <a16:colId xmlns:a16="http://schemas.microsoft.com/office/drawing/2014/main" val="3659474139"/>
+                    </a:ext>
+                  </a:extLst>
+                </a:gridCol>
+              </a:tblGrid>
+              <a:tr h="0">
+                <a:tc>
+                  <a:txBody>
+                    <a:bodyPr/>
+                    <a:lstStyle/>
+                    <a:p>
+                      <a:r>
+                        <a:rPr lang="en-US" dirty="0">
+                          <a:effectLst/>
+                          <a:latin typeface="Arial" panose="020B0604020202020204" pitchFamily="34" charset="0"/>
+                          <a:ea typeface="微軟正黑體" panose="020B0604030504040204" pitchFamily="34" charset="-120"/>
+                          <a:cs typeface="Arial" panose="020B0604020202020204" pitchFamily="34" charset="0"/>
+                        </a:rPr>
+                        <a:t>regex </a:t>
+                      </a:r>
+                      <a:r>
+                        <a:rPr lang="zh-TW" altLang="en-US" dirty="0">
+                          <a:effectLst/>
+                          <a:latin typeface="Arial" panose="020B0604020202020204" pitchFamily="34" charset="0"/>
+                          <a:ea typeface="微軟正黑體" panose="020B0604030504040204" pitchFamily="34" charset="-120"/>
+                          <a:cs typeface="Arial" panose="020B0604020202020204" pitchFamily="34" charset="0"/>
+                        </a:rPr>
+                        <a:t>語法</a:t>
+                      </a:r>
+                    </a:p>
+                  </a:txBody>
+                  <a:tcPr anchor="ctr">
+                    <a:lnL w="9525" cap="flat" cmpd="sng" algn="ctr">
+                      <a:solidFill>
+                        <a:srgbClr val="CCCCCC"/>
+                      </a:solidFill>
+                      <a:prstDash val="solid"/>
+                      <a:round/>
+                      <a:headEnd type="none" w="med" len="med"/>
+                      <a:tailEnd type="none" w="med" len="med"/>
+                    </a:lnL>
+                    <a:lnR w="9525" cap="flat" cmpd="sng" algn="ctr">
+                      <a:solidFill>
+                        <a:srgbClr val="CCCCCC"/>
+                      </a:solidFill>
+                      <a:prstDash val="solid"/>
+                      <a:round/>
+                      <a:headEnd type="none" w="med" len="med"/>
+                      <a:tailEnd type="none" w="med" len="med"/>
+                    </a:lnR>
+                    <a:lnT w="9525" cap="flat" cmpd="sng" algn="ctr">
+                      <a:solidFill>
+                        <a:srgbClr val="CCCCCC"/>
+                      </a:solidFill>
+                      <a:prstDash val="solid"/>
+                      <a:round/>
+                      <a:headEnd type="none" w="med" len="med"/>
+                      <a:tailEnd type="none" w="med" len="med"/>
+                    </a:lnT>
+                    <a:lnB w="9525" cap="flat" cmpd="sng" algn="ctr">
+                      <a:solidFill>
+                        <a:srgbClr val="CCCCCC"/>
+                      </a:solidFill>
+                      <a:prstDash val="solid"/>
+                      <a:round/>
+                      <a:headEnd type="none" w="med" len="med"/>
+                      <a:tailEnd type="none" w="med" len="med"/>
+                    </a:lnB>
+                    <a:solidFill>
+                      <a:srgbClr val="EEEEEE"/>
+                    </a:solidFill>
+                  </a:tcPr>
+                </a:tc>
+                <a:tc>
+                  <a:txBody>
+                    <a:bodyPr/>
+                    <a:lstStyle/>
+                    <a:p>
+                      <a:r>
+                        <a:rPr lang="zh-TW" altLang="en-US" dirty="0">
+                          <a:effectLst/>
+                          <a:latin typeface="Arial" panose="020B0604020202020204" pitchFamily="34" charset="0"/>
+                          <a:ea typeface="微軟正黑體" panose="020B0604030504040204" pitchFamily="34" charset="-120"/>
+                          <a:cs typeface="Arial" panose="020B0604020202020204" pitchFamily="34" charset="0"/>
+                        </a:rPr>
+                        <a:t>意義</a:t>
+                      </a:r>
+                    </a:p>
+                  </a:txBody>
+                  <a:tcPr anchor="ctr">
+                    <a:lnL w="9525" cap="flat" cmpd="sng" algn="ctr">
+                      <a:solidFill>
+                        <a:srgbClr val="CCCCCC"/>
+                      </a:solidFill>
+                      <a:prstDash val="solid"/>
+                      <a:round/>
+                      <a:headEnd type="none" w="med" len="med"/>
+                      <a:tailEnd type="none" w="med" len="med"/>
+                    </a:lnL>
+                    <a:lnR w="9525" cap="flat" cmpd="sng" algn="ctr">
+                      <a:solidFill>
+                        <a:srgbClr val="CCCCCC"/>
+                      </a:solidFill>
+                      <a:prstDash val="solid"/>
+                      <a:round/>
+                      <a:headEnd type="none" w="med" len="med"/>
+                      <a:tailEnd type="none" w="med" len="med"/>
+                    </a:lnR>
+                    <a:lnT w="9525" cap="flat" cmpd="sng" algn="ctr">
+                      <a:solidFill>
+                        <a:srgbClr val="CCCCCC"/>
+                      </a:solidFill>
+                      <a:prstDash val="solid"/>
+                      <a:round/>
+                      <a:headEnd type="none" w="med" len="med"/>
+                      <a:tailEnd type="none" w="med" len="med"/>
+                    </a:lnT>
+                    <a:lnB w="9525" cap="flat" cmpd="sng" algn="ctr">
+                      <a:solidFill>
+                        <a:srgbClr val="CCCCCC"/>
+                      </a:solidFill>
+                      <a:prstDash val="solid"/>
+                      <a:round/>
+                      <a:headEnd type="none" w="med" len="med"/>
+                      <a:tailEnd type="none" w="med" len="med"/>
+                    </a:lnB>
+                    <a:solidFill>
+                      <a:srgbClr val="EEEEEE"/>
+                    </a:solidFill>
+                  </a:tcPr>
+                </a:tc>
+                <a:extLst>
+                  <a:ext uri="{0D108BD9-81ED-4DB2-BD59-A6C34878D82A}">
+                    <a16:rowId xmlns:a16="http://schemas.microsoft.com/office/drawing/2014/main" val="1067241928"/>
+                  </a:ext>
+                </a:extLst>
+              </a:tr>
+              <a:tr h="0">
+                <a:tc>
+                  <a:txBody>
+                    <a:bodyPr/>
+                    <a:lstStyle/>
+                    <a:p>
+                      <a:r>
+                        <a:rPr lang="en-US" altLang="zh-TW" dirty="0">
+                          <a:effectLst/>
+                          <a:latin typeface="Arial" panose="020B0604020202020204" pitchFamily="34" charset="0"/>
+                          <a:ea typeface="微軟正黑體" panose="020B0604030504040204" pitchFamily="34" charset="-120"/>
+                          <a:cs typeface="Arial" panose="020B0604020202020204" pitchFamily="34" charset="0"/>
+                        </a:rPr>
+                        <a:t>.</a:t>
+                      </a:r>
+                    </a:p>
+                  </a:txBody>
+                  <a:tcPr anchor="ctr">
+                    <a:lnL w="9525" cap="flat" cmpd="sng" algn="ctr">
+                      <a:solidFill>
+                        <a:srgbClr val="CCCCCC"/>
+                      </a:solidFill>
+                      <a:prstDash val="solid"/>
+                      <a:round/>
+                      <a:headEnd type="none" w="med" len="med"/>
+                      <a:tailEnd type="none" w="med" len="med"/>
+                    </a:lnL>
+                    <a:lnR w="9525" cap="flat" cmpd="sng" algn="ctr">
+                      <a:solidFill>
+                        <a:srgbClr val="CCCCCC"/>
+                      </a:solidFill>
+                      <a:prstDash val="solid"/>
+                      <a:round/>
+                      <a:headEnd type="none" w="med" len="med"/>
+                      <a:tailEnd type="none" w="med" len="med"/>
+                    </a:lnR>
+                    <a:lnT w="9525" cap="flat" cmpd="sng" algn="ctr">
+                      <a:solidFill>
+                        <a:srgbClr val="CCCCCC"/>
+                      </a:solidFill>
+                      <a:prstDash val="solid"/>
+                      <a:round/>
+                      <a:headEnd type="none" w="med" len="med"/>
+                      <a:tailEnd type="none" w="med" len="med"/>
+                    </a:lnT>
+                    <a:lnB w="9525" cap="flat" cmpd="sng" algn="ctr">
+                      <a:solidFill>
+                        <a:srgbClr val="CCCCCC"/>
+                      </a:solidFill>
+                      <a:prstDash val="solid"/>
+                      <a:round/>
+                      <a:headEnd type="none" w="med" len="med"/>
+                      <a:tailEnd type="none" w="med" len="med"/>
+                    </a:lnB>
+                    <a:solidFill>
+                      <a:srgbClr val="FFFFFF"/>
+                    </a:solidFill>
+                  </a:tcPr>
+                </a:tc>
+                <a:tc>
+                  <a:txBody>
+                    <a:bodyPr/>
+                    <a:lstStyle/>
+                    <a:p>
+                      <a:r>
+                        <a:rPr lang="zh-TW" altLang="en-US" dirty="0">
+                          <a:effectLst/>
+                          <a:latin typeface="Arial" panose="020B0604020202020204" pitchFamily="34" charset="0"/>
+                          <a:ea typeface="微軟正黑體" panose="020B0604030504040204" pitchFamily="34" charset="-120"/>
+                          <a:cs typeface="Arial" panose="020B0604020202020204" pitchFamily="34" charset="0"/>
+                        </a:rPr>
+                        <a:t>任意字元</a:t>
+                      </a:r>
+                    </a:p>
+                  </a:txBody>
+                  <a:tcPr anchor="ctr">
+                    <a:lnL w="9525" cap="flat" cmpd="sng" algn="ctr">
+                      <a:solidFill>
+                        <a:srgbClr val="CCCCCC"/>
+                      </a:solidFill>
+                      <a:prstDash val="solid"/>
+                      <a:round/>
+                      <a:headEnd type="none" w="med" len="med"/>
+                      <a:tailEnd type="none" w="med" len="med"/>
+                    </a:lnL>
+                    <a:lnR w="9525" cap="flat" cmpd="sng" algn="ctr">
+                      <a:solidFill>
+                        <a:srgbClr val="CCCCCC"/>
+                      </a:solidFill>
+                      <a:prstDash val="solid"/>
+                      <a:round/>
+                      <a:headEnd type="none" w="med" len="med"/>
+                      <a:tailEnd type="none" w="med" len="med"/>
+                    </a:lnR>
+                    <a:lnT w="9525" cap="flat" cmpd="sng" algn="ctr">
+                      <a:solidFill>
+                        <a:srgbClr val="CCCCCC"/>
+                      </a:solidFill>
+                      <a:prstDash val="solid"/>
+                      <a:round/>
+                      <a:headEnd type="none" w="med" len="med"/>
+                      <a:tailEnd type="none" w="med" len="med"/>
+                    </a:lnT>
+                    <a:lnB w="9525" cap="flat" cmpd="sng" algn="ctr">
+                      <a:solidFill>
+                        <a:srgbClr val="CCCCCC"/>
+                      </a:solidFill>
+                      <a:prstDash val="solid"/>
+                      <a:round/>
+                      <a:headEnd type="none" w="med" len="med"/>
+                      <a:tailEnd type="none" w="med" len="med"/>
+                    </a:lnB>
+                    <a:solidFill>
+                      <a:srgbClr val="FFFFFF"/>
+                    </a:solidFill>
+                  </a:tcPr>
+                </a:tc>
+                <a:extLst>
+                  <a:ext uri="{0D108BD9-81ED-4DB2-BD59-A6C34878D82A}">
+                    <a16:rowId xmlns:a16="http://schemas.microsoft.com/office/drawing/2014/main" val="2022644669"/>
+                  </a:ext>
+                </a:extLst>
+              </a:tr>
+              <a:tr h="0">
+                <a:tc>
+                  <a:txBody>
+                    <a:bodyPr/>
+                    <a:lstStyle/>
+                    <a:p>
+                      <a:r>
+                        <a:rPr lang="en-US" dirty="0">
+                          <a:effectLst/>
+                          <a:latin typeface="Arial" panose="020B0604020202020204" pitchFamily="34" charset="0"/>
+                          <a:ea typeface="微軟正黑體" panose="020B0604030504040204" pitchFamily="34" charset="-120"/>
+                          <a:cs typeface="Arial" panose="020B0604020202020204" pitchFamily="34" charset="0"/>
+                        </a:rPr>
+                        <a:t>\d</a:t>
+                      </a:r>
+                    </a:p>
+                  </a:txBody>
+                  <a:tcPr anchor="ctr">
+                    <a:lnL w="9525" cap="flat" cmpd="sng" algn="ctr">
+                      <a:solidFill>
+                        <a:srgbClr val="CCCCCC"/>
+                      </a:solidFill>
+                      <a:prstDash val="solid"/>
+                      <a:round/>
+                      <a:headEnd type="none" w="med" len="med"/>
+                      <a:tailEnd type="none" w="med" len="med"/>
+                    </a:lnL>
+                    <a:lnR w="9525" cap="flat" cmpd="sng" algn="ctr">
+                      <a:solidFill>
+                        <a:srgbClr val="CCCCCC"/>
+                      </a:solidFill>
+                      <a:prstDash val="solid"/>
+                      <a:round/>
+                      <a:headEnd type="none" w="med" len="med"/>
+                      <a:tailEnd type="none" w="med" len="med"/>
+                    </a:lnR>
+                    <a:lnT w="9525" cap="flat" cmpd="sng" algn="ctr">
+                      <a:solidFill>
+                        <a:srgbClr val="CCCCCC"/>
+                      </a:solidFill>
+                      <a:prstDash val="solid"/>
+                      <a:round/>
+                      <a:headEnd type="none" w="med" len="med"/>
+                      <a:tailEnd type="none" w="med" len="med"/>
+                    </a:lnT>
+                    <a:lnB w="9525" cap="flat" cmpd="sng" algn="ctr">
+                      <a:solidFill>
+                        <a:srgbClr val="CCCCCC"/>
+                      </a:solidFill>
+                      <a:prstDash val="solid"/>
+                      <a:round/>
+                      <a:headEnd type="none" w="med" len="med"/>
+                      <a:tailEnd type="none" w="med" len="med"/>
+                    </a:lnB>
+                    <a:solidFill>
+                      <a:srgbClr val="EEEEEE"/>
+                    </a:solidFill>
+                  </a:tcPr>
+                </a:tc>
+                <a:tc>
+                  <a:txBody>
+                    <a:bodyPr/>
+                    <a:lstStyle/>
+                    <a:p>
+                      <a:r>
+                        <a:rPr lang="zh-TW" altLang="en-US" dirty="0">
+                          <a:effectLst/>
+                          <a:latin typeface="Arial" panose="020B0604020202020204" pitchFamily="34" charset="0"/>
+                          <a:ea typeface="微軟正黑體" panose="020B0604030504040204" pitchFamily="34" charset="-120"/>
+                          <a:cs typeface="Arial" panose="020B0604020202020204" pitchFamily="34" charset="0"/>
+                        </a:rPr>
+                        <a:t>數字</a:t>
+                      </a:r>
+                      <a:r>
+                        <a:rPr lang="en-US" altLang="zh-TW" dirty="0">
+                          <a:effectLst/>
+                          <a:latin typeface="Arial" panose="020B0604020202020204" pitchFamily="34" charset="0"/>
+                          <a:ea typeface="微軟正黑體" panose="020B0604030504040204" pitchFamily="34" charset="-120"/>
+                          <a:cs typeface="Arial" panose="020B0604020202020204" pitchFamily="34" charset="0"/>
+                        </a:rPr>
+                        <a:t>(</a:t>
+                      </a:r>
+                      <a:r>
+                        <a:rPr lang="en-US" dirty="0">
+                          <a:effectLst/>
+                          <a:latin typeface="Arial" panose="020B0604020202020204" pitchFamily="34" charset="0"/>
+                          <a:ea typeface="微軟正黑體" panose="020B0604030504040204" pitchFamily="34" charset="-120"/>
+                          <a:cs typeface="Arial" panose="020B0604020202020204" pitchFamily="34" charset="0"/>
+                        </a:rPr>
+                        <a:t>digit)，</a:t>
+                      </a:r>
+                      <a:r>
+                        <a:rPr lang="zh-TW" altLang="en-US" dirty="0">
+                          <a:effectLst/>
+                          <a:latin typeface="Arial" panose="020B0604020202020204" pitchFamily="34" charset="0"/>
+                          <a:ea typeface="微軟正黑體" panose="020B0604030504040204" pitchFamily="34" charset="-120"/>
+                          <a:cs typeface="Arial" panose="020B0604020202020204" pitchFamily="34" charset="0"/>
+                        </a:rPr>
+                        <a:t>如 </a:t>
+                      </a:r>
+                      <a:r>
+                        <a:rPr lang="en-US" altLang="zh-TW" dirty="0">
+                          <a:effectLst/>
+                          <a:latin typeface="Arial" panose="020B0604020202020204" pitchFamily="34" charset="0"/>
+                          <a:ea typeface="微軟正黑體" panose="020B0604030504040204" pitchFamily="34" charset="-120"/>
+                          <a:cs typeface="Arial" panose="020B0604020202020204" pitchFamily="34" charset="0"/>
+                        </a:rPr>
+                        <a:t>0 </a:t>
+                      </a:r>
+                      <a:r>
+                        <a:rPr lang="zh-TW" altLang="en-US" dirty="0">
+                          <a:effectLst/>
+                          <a:latin typeface="Arial" panose="020B0604020202020204" pitchFamily="34" charset="0"/>
+                          <a:ea typeface="微軟正黑體" panose="020B0604030504040204" pitchFamily="34" charset="-120"/>
+                          <a:cs typeface="Arial" panose="020B0604020202020204" pitchFamily="34" charset="0"/>
+                        </a:rPr>
+                        <a:t>到 </a:t>
+                      </a:r>
+                      <a:r>
+                        <a:rPr lang="en-US" altLang="zh-TW" dirty="0">
+                          <a:effectLst/>
+                          <a:latin typeface="Arial" panose="020B0604020202020204" pitchFamily="34" charset="0"/>
+                          <a:ea typeface="微軟正黑體" panose="020B0604030504040204" pitchFamily="34" charset="-120"/>
+                          <a:cs typeface="Arial" panose="020B0604020202020204" pitchFamily="34" charset="0"/>
+                        </a:rPr>
+                        <a:t>9</a:t>
+                      </a:r>
+                    </a:p>
+                  </a:txBody>
+                  <a:tcPr anchor="ctr">
+                    <a:lnL w="9525" cap="flat" cmpd="sng" algn="ctr">
+                      <a:solidFill>
+                        <a:srgbClr val="CCCCCC"/>
+                      </a:solidFill>
+                      <a:prstDash val="solid"/>
+                      <a:round/>
+                      <a:headEnd type="none" w="med" len="med"/>
+                      <a:tailEnd type="none" w="med" len="med"/>
+                    </a:lnL>
+                    <a:lnR w="9525" cap="flat" cmpd="sng" algn="ctr">
+                      <a:solidFill>
+                        <a:srgbClr val="CCCCCC"/>
+                      </a:solidFill>
+                      <a:prstDash val="solid"/>
+                      <a:round/>
+                      <a:headEnd type="none" w="med" len="med"/>
+                      <a:tailEnd type="none" w="med" len="med"/>
+                    </a:lnR>
+                    <a:lnT w="9525" cap="flat" cmpd="sng" algn="ctr">
+                      <a:solidFill>
+                        <a:srgbClr val="CCCCCC"/>
+                      </a:solidFill>
+                      <a:prstDash val="solid"/>
+                      <a:round/>
+                      <a:headEnd type="none" w="med" len="med"/>
+                      <a:tailEnd type="none" w="med" len="med"/>
+                    </a:lnT>
+                    <a:lnB w="9525" cap="flat" cmpd="sng" algn="ctr">
+                      <a:solidFill>
+                        <a:srgbClr val="CCCCCC"/>
+                      </a:solidFill>
+                      <a:prstDash val="solid"/>
+                      <a:round/>
+                      <a:headEnd type="none" w="med" len="med"/>
+                      <a:tailEnd type="none" w="med" len="med"/>
+                    </a:lnB>
+                    <a:solidFill>
+                      <a:srgbClr val="EEEEEE"/>
+                    </a:solidFill>
+                  </a:tcPr>
+                </a:tc>
+                <a:extLst>
+                  <a:ext uri="{0D108BD9-81ED-4DB2-BD59-A6C34878D82A}">
+                    <a16:rowId xmlns:a16="http://schemas.microsoft.com/office/drawing/2014/main" val="2602777370"/>
+                  </a:ext>
+                </a:extLst>
+              </a:tr>
+              <a:tr h="0">
+                <a:tc>
+                  <a:txBody>
+                    <a:bodyPr/>
+                    <a:lstStyle/>
+                    <a:p>
+                      <a:r>
+                        <a:rPr lang="en-US" dirty="0">
+                          <a:effectLst/>
+                          <a:latin typeface="Arial" panose="020B0604020202020204" pitchFamily="34" charset="0"/>
+                          <a:ea typeface="微軟正黑體" panose="020B0604030504040204" pitchFamily="34" charset="-120"/>
+                          <a:cs typeface="Arial" panose="020B0604020202020204" pitchFamily="34" charset="0"/>
+                        </a:rPr>
+                        <a:t>\D</a:t>
+                      </a:r>
+                    </a:p>
+                  </a:txBody>
+                  <a:tcPr anchor="ctr">
+                    <a:lnL w="9525" cap="flat" cmpd="sng" algn="ctr">
+                      <a:solidFill>
+                        <a:srgbClr val="CCCCCC"/>
+                      </a:solidFill>
+                      <a:prstDash val="solid"/>
+                      <a:round/>
+                      <a:headEnd type="none" w="med" len="med"/>
+                      <a:tailEnd type="none" w="med" len="med"/>
+                    </a:lnL>
+                    <a:lnR w="9525" cap="flat" cmpd="sng" algn="ctr">
+                      <a:solidFill>
+                        <a:srgbClr val="CCCCCC"/>
+                      </a:solidFill>
+                      <a:prstDash val="solid"/>
+                      <a:round/>
+                      <a:headEnd type="none" w="med" len="med"/>
+                      <a:tailEnd type="none" w="med" len="med"/>
+                    </a:lnR>
+                    <a:lnT w="9525" cap="flat" cmpd="sng" algn="ctr">
+                      <a:solidFill>
+                        <a:srgbClr val="CCCCCC"/>
+                      </a:solidFill>
+                      <a:prstDash val="solid"/>
+                      <a:round/>
+                      <a:headEnd type="none" w="med" len="med"/>
+                      <a:tailEnd type="none" w="med" len="med"/>
+                    </a:lnT>
+                    <a:lnB w="9525" cap="flat" cmpd="sng" algn="ctr">
+                      <a:solidFill>
+                        <a:srgbClr val="CCCCCC"/>
+                      </a:solidFill>
+                      <a:prstDash val="solid"/>
+                      <a:round/>
+                      <a:headEnd type="none" w="med" len="med"/>
+                      <a:tailEnd type="none" w="med" len="med"/>
+                    </a:lnB>
+                    <a:solidFill>
+                      <a:srgbClr val="FFFFFF"/>
+                    </a:solidFill>
+                  </a:tcPr>
+                </a:tc>
+                <a:tc>
+                  <a:txBody>
+                    <a:bodyPr/>
+                    <a:lstStyle/>
+                    <a:p>
+                      <a:r>
+                        <a:rPr lang="zh-TW" altLang="en-US" dirty="0">
+                          <a:effectLst/>
+                          <a:latin typeface="Arial" panose="020B0604020202020204" pitchFamily="34" charset="0"/>
+                          <a:ea typeface="微軟正黑體" panose="020B0604030504040204" pitchFamily="34" charset="-120"/>
+                          <a:cs typeface="Arial" panose="020B0604020202020204" pitchFamily="34" charset="0"/>
+                        </a:rPr>
+                        <a:t>非數字</a:t>
+                      </a:r>
+                    </a:p>
+                  </a:txBody>
+                  <a:tcPr anchor="ctr">
+                    <a:lnL w="9525" cap="flat" cmpd="sng" algn="ctr">
+                      <a:solidFill>
+                        <a:srgbClr val="CCCCCC"/>
+                      </a:solidFill>
+                      <a:prstDash val="solid"/>
+                      <a:round/>
+                      <a:headEnd type="none" w="med" len="med"/>
+                      <a:tailEnd type="none" w="med" len="med"/>
+                    </a:lnL>
+                    <a:lnR w="9525" cap="flat" cmpd="sng" algn="ctr">
+                      <a:solidFill>
+                        <a:srgbClr val="CCCCCC"/>
+                      </a:solidFill>
+                      <a:prstDash val="solid"/>
+                      <a:round/>
+                      <a:headEnd type="none" w="med" len="med"/>
+                      <a:tailEnd type="none" w="med" len="med"/>
+                    </a:lnR>
+                    <a:lnT w="9525" cap="flat" cmpd="sng" algn="ctr">
+                      <a:solidFill>
+                        <a:srgbClr val="CCCCCC"/>
+                      </a:solidFill>
+                      <a:prstDash val="solid"/>
+                      <a:round/>
+                      <a:headEnd type="none" w="med" len="med"/>
+                      <a:tailEnd type="none" w="med" len="med"/>
+                    </a:lnT>
+                    <a:lnB w="9525" cap="flat" cmpd="sng" algn="ctr">
+                      <a:solidFill>
+                        <a:srgbClr val="CCCCCC"/>
+                      </a:solidFill>
+                      <a:prstDash val="solid"/>
+                      <a:round/>
+                      <a:headEnd type="none" w="med" len="med"/>
+                      <a:tailEnd type="none" w="med" len="med"/>
+                    </a:lnB>
+                    <a:solidFill>
+                      <a:srgbClr val="FFFFFF"/>
+                    </a:solidFill>
+                  </a:tcPr>
+                </a:tc>
+                <a:extLst>
+                  <a:ext uri="{0D108BD9-81ED-4DB2-BD59-A6C34878D82A}">
+                    <a16:rowId xmlns:a16="http://schemas.microsoft.com/office/drawing/2014/main" val="3148362940"/>
+                  </a:ext>
+                </a:extLst>
+              </a:tr>
+              <a:tr h="0">
+                <a:tc>
+                  <a:txBody>
+                    <a:bodyPr/>
+                    <a:lstStyle/>
+                    <a:p>
+                      <a:r>
+                        <a:rPr lang="en-US">
+                          <a:effectLst/>
+                          <a:latin typeface="Arial" panose="020B0604020202020204" pitchFamily="34" charset="0"/>
+                          <a:ea typeface="微軟正黑體" panose="020B0604030504040204" pitchFamily="34" charset="-120"/>
+                          <a:cs typeface="Arial" panose="020B0604020202020204" pitchFamily="34" charset="0"/>
+                        </a:rPr>
+                        <a:t>\w</a:t>
+                      </a:r>
+                    </a:p>
+                  </a:txBody>
+                  <a:tcPr anchor="ctr">
+                    <a:lnL w="9525" cap="flat" cmpd="sng" algn="ctr">
+                      <a:solidFill>
+                        <a:srgbClr val="CCCCCC"/>
+                      </a:solidFill>
+                      <a:prstDash val="solid"/>
+                      <a:round/>
+                      <a:headEnd type="none" w="med" len="med"/>
+                      <a:tailEnd type="none" w="med" len="med"/>
+                    </a:lnL>
+                    <a:lnR w="9525" cap="flat" cmpd="sng" algn="ctr">
+                      <a:solidFill>
+                        <a:srgbClr val="CCCCCC"/>
+                      </a:solidFill>
+                      <a:prstDash val="solid"/>
+                      <a:round/>
+                      <a:headEnd type="none" w="med" len="med"/>
+                      <a:tailEnd type="none" w="med" len="med"/>
+                    </a:lnR>
+                    <a:lnT w="9525" cap="flat" cmpd="sng" algn="ctr">
+                      <a:solidFill>
+                        <a:srgbClr val="CCCCCC"/>
+                      </a:solidFill>
+                      <a:prstDash val="solid"/>
+                      <a:round/>
+                      <a:headEnd type="none" w="med" len="med"/>
+                      <a:tailEnd type="none" w="med" len="med"/>
+                    </a:lnT>
+                    <a:lnB w="9525" cap="flat" cmpd="sng" algn="ctr">
+                      <a:solidFill>
+                        <a:srgbClr val="CCCCCC"/>
+                      </a:solidFill>
+                      <a:prstDash val="solid"/>
+                      <a:round/>
+                      <a:headEnd type="none" w="med" len="med"/>
+                      <a:tailEnd type="none" w="med" len="med"/>
+                    </a:lnB>
+                    <a:solidFill>
+                      <a:srgbClr val="EEEEEE"/>
+                    </a:solidFill>
+                  </a:tcPr>
+                </a:tc>
+                <a:tc>
+                  <a:txBody>
+                    <a:bodyPr/>
+                    <a:lstStyle/>
+                    <a:p>
+                      <a:r>
+                        <a:rPr lang="zh-TW" altLang="en-US" dirty="0">
+                          <a:effectLst/>
+                          <a:latin typeface="Arial" panose="020B0604020202020204" pitchFamily="34" charset="0"/>
+                          <a:ea typeface="微軟正黑體" panose="020B0604030504040204" pitchFamily="34" charset="-120"/>
+                          <a:cs typeface="Arial" panose="020B0604020202020204" pitchFamily="34" charset="0"/>
+                        </a:rPr>
+                        <a:t>文字</a:t>
+                      </a:r>
+                      <a:r>
+                        <a:rPr lang="en-US" altLang="zh-TW" dirty="0">
+                          <a:effectLst/>
+                          <a:latin typeface="Arial" panose="020B0604020202020204" pitchFamily="34" charset="0"/>
+                          <a:ea typeface="微軟正黑體" panose="020B0604030504040204" pitchFamily="34" charset="-120"/>
+                          <a:cs typeface="Arial" panose="020B0604020202020204" pitchFamily="34" charset="0"/>
+                        </a:rPr>
+                        <a:t>(</a:t>
+                      </a:r>
+                      <a:r>
+                        <a:rPr lang="en-US" dirty="0">
+                          <a:effectLst/>
+                          <a:latin typeface="Arial" panose="020B0604020202020204" pitchFamily="34" charset="0"/>
+                          <a:ea typeface="微軟正黑體" panose="020B0604030504040204" pitchFamily="34" charset="-120"/>
+                          <a:cs typeface="Arial" panose="020B0604020202020204" pitchFamily="34" charset="0"/>
+                        </a:rPr>
+                        <a:t>word)</a:t>
+                      </a:r>
+                    </a:p>
+                  </a:txBody>
+                  <a:tcPr anchor="ctr">
+                    <a:lnL w="9525" cap="flat" cmpd="sng" algn="ctr">
+                      <a:solidFill>
+                        <a:srgbClr val="CCCCCC"/>
+                      </a:solidFill>
+                      <a:prstDash val="solid"/>
+                      <a:round/>
+                      <a:headEnd type="none" w="med" len="med"/>
+                      <a:tailEnd type="none" w="med" len="med"/>
+                    </a:lnL>
+                    <a:lnR w="9525" cap="flat" cmpd="sng" algn="ctr">
+                      <a:solidFill>
+                        <a:srgbClr val="CCCCCC"/>
+                      </a:solidFill>
+                      <a:prstDash val="solid"/>
+                      <a:round/>
+                      <a:headEnd type="none" w="med" len="med"/>
+                      <a:tailEnd type="none" w="med" len="med"/>
+                    </a:lnR>
+                    <a:lnT w="9525" cap="flat" cmpd="sng" algn="ctr">
+                      <a:solidFill>
+                        <a:srgbClr val="CCCCCC"/>
+                      </a:solidFill>
+                      <a:prstDash val="solid"/>
+                      <a:round/>
+                      <a:headEnd type="none" w="med" len="med"/>
+                      <a:tailEnd type="none" w="med" len="med"/>
+                    </a:lnT>
+                    <a:lnB w="9525" cap="flat" cmpd="sng" algn="ctr">
+                      <a:solidFill>
+                        <a:srgbClr val="CCCCCC"/>
+                      </a:solidFill>
+                      <a:prstDash val="solid"/>
+                      <a:round/>
+                      <a:headEnd type="none" w="med" len="med"/>
+                      <a:tailEnd type="none" w="med" len="med"/>
+                    </a:lnB>
+                    <a:solidFill>
+                      <a:srgbClr val="EEEEEE"/>
+                    </a:solidFill>
+                  </a:tcPr>
+                </a:tc>
+                <a:extLst>
+                  <a:ext uri="{0D108BD9-81ED-4DB2-BD59-A6C34878D82A}">
+                    <a16:rowId xmlns:a16="http://schemas.microsoft.com/office/drawing/2014/main" val="3806568700"/>
+                  </a:ext>
+                </a:extLst>
+              </a:tr>
+              <a:tr h="0">
+                <a:tc>
+                  <a:txBody>
+                    <a:bodyPr/>
+                    <a:lstStyle/>
+                    <a:p>
+                      <a:r>
+                        <a:rPr lang="en-US">
+                          <a:effectLst/>
+                          <a:latin typeface="Arial" panose="020B0604020202020204" pitchFamily="34" charset="0"/>
+                          <a:ea typeface="微軟正黑體" panose="020B0604030504040204" pitchFamily="34" charset="-120"/>
+                          <a:cs typeface="Arial" panose="020B0604020202020204" pitchFamily="34" charset="0"/>
+                        </a:rPr>
+                        <a:t>\W</a:t>
+                      </a:r>
+                    </a:p>
+                  </a:txBody>
+                  <a:tcPr anchor="ctr">
+                    <a:lnL w="9525" cap="flat" cmpd="sng" algn="ctr">
+                      <a:solidFill>
+                        <a:srgbClr val="CCCCCC"/>
+                      </a:solidFill>
+                      <a:prstDash val="solid"/>
+                      <a:round/>
+                      <a:headEnd type="none" w="med" len="med"/>
+                      <a:tailEnd type="none" w="med" len="med"/>
+                    </a:lnL>
+                    <a:lnR w="9525" cap="flat" cmpd="sng" algn="ctr">
+                      <a:solidFill>
+                        <a:srgbClr val="CCCCCC"/>
+                      </a:solidFill>
+                      <a:prstDash val="solid"/>
+                      <a:round/>
+                      <a:headEnd type="none" w="med" len="med"/>
+                      <a:tailEnd type="none" w="med" len="med"/>
+                    </a:lnR>
+                    <a:lnT w="9525" cap="flat" cmpd="sng" algn="ctr">
+                      <a:solidFill>
+                        <a:srgbClr val="CCCCCC"/>
+                      </a:solidFill>
+                      <a:prstDash val="solid"/>
+                      <a:round/>
+                      <a:headEnd type="none" w="med" len="med"/>
+                      <a:tailEnd type="none" w="med" len="med"/>
+                    </a:lnT>
+                    <a:lnB w="9525" cap="flat" cmpd="sng" algn="ctr">
+                      <a:solidFill>
+                        <a:srgbClr val="CCCCCC"/>
+                      </a:solidFill>
+                      <a:prstDash val="solid"/>
+                      <a:round/>
+                      <a:headEnd type="none" w="med" len="med"/>
+                      <a:tailEnd type="none" w="med" len="med"/>
+                    </a:lnB>
+                    <a:solidFill>
+                      <a:srgbClr val="FFFFFF"/>
+                    </a:solidFill>
+                  </a:tcPr>
+                </a:tc>
+                <a:tc>
+                  <a:txBody>
+                    <a:bodyPr/>
+                    <a:lstStyle/>
+                    <a:p>
+                      <a:r>
+                        <a:rPr lang="zh-TW" altLang="en-US" dirty="0">
+                          <a:effectLst/>
+                          <a:latin typeface="Arial" panose="020B0604020202020204" pitchFamily="34" charset="0"/>
+                          <a:ea typeface="微軟正黑體" panose="020B0604030504040204" pitchFamily="34" charset="-120"/>
+                          <a:cs typeface="Arial" panose="020B0604020202020204" pitchFamily="34" charset="0"/>
+                        </a:rPr>
+                        <a:t>非文字</a:t>
+                      </a:r>
+                    </a:p>
+                  </a:txBody>
+                  <a:tcPr anchor="ctr">
+                    <a:lnL w="9525" cap="flat" cmpd="sng" algn="ctr">
+                      <a:solidFill>
+                        <a:srgbClr val="CCCCCC"/>
+                      </a:solidFill>
+                      <a:prstDash val="solid"/>
+                      <a:round/>
+                      <a:headEnd type="none" w="med" len="med"/>
+                      <a:tailEnd type="none" w="med" len="med"/>
+                    </a:lnL>
+                    <a:lnR w="9525" cap="flat" cmpd="sng" algn="ctr">
+                      <a:solidFill>
+                        <a:srgbClr val="CCCCCC"/>
+                      </a:solidFill>
+                      <a:prstDash val="solid"/>
+                      <a:round/>
+                      <a:headEnd type="none" w="med" len="med"/>
+                      <a:tailEnd type="none" w="med" len="med"/>
+                    </a:lnR>
+                    <a:lnT w="9525" cap="flat" cmpd="sng" algn="ctr">
+                      <a:solidFill>
+                        <a:srgbClr val="CCCCCC"/>
+                      </a:solidFill>
+                      <a:prstDash val="solid"/>
+                      <a:round/>
+                      <a:headEnd type="none" w="med" len="med"/>
+                      <a:tailEnd type="none" w="med" len="med"/>
+                    </a:lnT>
+                    <a:lnB w="9525" cap="flat" cmpd="sng" algn="ctr">
+                      <a:solidFill>
+                        <a:srgbClr val="CCCCCC"/>
+                      </a:solidFill>
+                      <a:prstDash val="solid"/>
+                      <a:round/>
+                      <a:headEnd type="none" w="med" len="med"/>
+                      <a:tailEnd type="none" w="med" len="med"/>
+                    </a:lnB>
+                    <a:solidFill>
+                      <a:srgbClr val="FFFFFF"/>
+                    </a:solidFill>
+                  </a:tcPr>
+                </a:tc>
+                <a:extLst>
+                  <a:ext uri="{0D108BD9-81ED-4DB2-BD59-A6C34878D82A}">
+                    <a16:rowId xmlns:a16="http://schemas.microsoft.com/office/drawing/2014/main" val="3251966259"/>
+                  </a:ext>
+                </a:extLst>
+              </a:tr>
+              <a:tr h="0">
+                <a:tc>
+                  <a:txBody>
+                    <a:bodyPr/>
+                    <a:lstStyle/>
+                    <a:p>
+                      <a:r>
+                        <a:rPr lang="en-US">
+                          <a:effectLst/>
+                          <a:latin typeface="Arial" panose="020B0604020202020204" pitchFamily="34" charset="0"/>
+                          <a:ea typeface="微軟正黑體" panose="020B0604030504040204" pitchFamily="34" charset="-120"/>
+                          <a:cs typeface="Arial" panose="020B0604020202020204" pitchFamily="34" charset="0"/>
+                        </a:rPr>
+                        <a:t>\s</a:t>
+                      </a:r>
+                    </a:p>
+                  </a:txBody>
+                  <a:tcPr anchor="ctr">
+                    <a:lnL w="9525" cap="flat" cmpd="sng" algn="ctr">
+                      <a:solidFill>
+                        <a:srgbClr val="CCCCCC"/>
+                      </a:solidFill>
+                      <a:prstDash val="solid"/>
+                      <a:round/>
+                      <a:headEnd type="none" w="med" len="med"/>
+                      <a:tailEnd type="none" w="med" len="med"/>
+                    </a:lnL>
+                    <a:lnR w="9525" cap="flat" cmpd="sng" algn="ctr">
+                      <a:solidFill>
+                        <a:srgbClr val="CCCCCC"/>
+                      </a:solidFill>
+                      <a:prstDash val="solid"/>
+                      <a:round/>
+                      <a:headEnd type="none" w="med" len="med"/>
+                      <a:tailEnd type="none" w="med" len="med"/>
+                    </a:lnR>
+                    <a:lnT w="9525" cap="flat" cmpd="sng" algn="ctr">
+                      <a:solidFill>
+                        <a:srgbClr val="CCCCCC"/>
+                      </a:solidFill>
+                      <a:prstDash val="solid"/>
+                      <a:round/>
+                      <a:headEnd type="none" w="med" len="med"/>
+                      <a:tailEnd type="none" w="med" len="med"/>
+                    </a:lnT>
+                    <a:lnB w="9525" cap="flat" cmpd="sng" algn="ctr">
+                      <a:solidFill>
+                        <a:srgbClr val="CCCCCC"/>
+                      </a:solidFill>
+                      <a:prstDash val="solid"/>
+                      <a:round/>
+                      <a:headEnd type="none" w="med" len="med"/>
+                      <a:tailEnd type="none" w="med" len="med"/>
+                    </a:lnB>
+                    <a:solidFill>
+                      <a:srgbClr val="EEEEEE"/>
+                    </a:solidFill>
+                  </a:tcPr>
+                </a:tc>
+                <a:tc>
+                  <a:txBody>
+                    <a:bodyPr/>
+                    <a:lstStyle/>
+                    <a:p>
+                      <a:r>
+                        <a:rPr lang="zh-TW" altLang="en-US" dirty="0">
+                          <a:effectLst/>
+                          <a:latin typeface="Arial" panose="020B0604020202020204" pitchFamily="34" charset="0"/>
+                          <a:ea typeface="微軟正黑體" panose="020B0604030504040204" pitchFamily="34" charset="-120"/>
+                          <a:cs typeface="Arial" panose="020B0604020202020204" pitchFamily="34" charset="0"/>
+                        </a:rPr>
+                        <a:t>廣義的空白符號</a:t>
+                      </a:r>
+                      <a:r>
+                        <a:rPr lang="en-US" altLang="zh-TW" dirty="0">
+                          <a:effectLst/>
+                          <a:latin typeface="Arial" panose="020B0604020202020204" pitchFamily="34" charset="0"/>
+                          <a:ea typeface="微軟正黑體" panose="020B0604030504040204" pitchFamily="34" charset="-120"/>
+                          <a:cs typeface="Arial" panose="020B0604020202020204" pitchFamily="34" charset="0"/>
+                        </a:rPr>
+                        <a:t>(</a:t>
+                      </a:r>
+                      <a:r>
+                        <a:rPr lang="en-US" dirty="0">
+                          <a:effectLst/>
+                          <a:latin typeface="Arial" panose="020B0604020202020204" pitchFamily="34" charset="0"/>
+                          <a:ea typeface="微軟正黑體" panose="020B0604030504040204" pitchFamily="34" charset="-120"/>
+                          <a:cs typeface="Arial" panose="020B0604020202020204" pitchFamily="34" charset="0"/>
+                        </a:rPr>
+                        <a:t>whitespace)，</a:t>
+                      </a:r>
+                      <a:r>
+                        <a:rPr lang="zh-TW" altLang="en-US" dirty="0">
+                          <a:effectLst/>
+                          <a:latin typeface="Arial" panose="020B0604020202020204" pitchFamily="34" charset="0"/>
+                          <a:ea typeface="微軟正黑體" panose="020B0604030504040204" pitchFamily="34" charset="-120"/>
+                          <a:cs typeface="Arial" panose="020B0604020202020204" pitchFamily="34" charset="0"/>
+                        </a:rPr>
+                        <a:t>如空白、</a:t>
+                      </a:r>
+                      <a:r>
+                        <a:rPr lang="en-US" dirty="0">
+                          <a:effectLst/>
+                          <a:latin typeface="Arial" panose="020B0604020202020204" pitchFamily="34" charset="0"/>
+                          <a:ea typeface="微軟正黑體" panose="020B0604030504040204" pitchFamily="34" charset="-120"/>
+                          <a:cs typeface="Arial" panose="020B0604020202020204" pitchFamily="34" charset="0"/>
+                        </a:rPr>
+                        <a:t>tab </a:t>
+                      </a:r>
+                      <a:r>
+                        <a:rPr lang="zh-TW" altLang="en-US" dirty="0">
+                          <a:effectLst/>
+                          <a:latin typeface="Arial" panose="020B0604020202020204" pitchFamily="34" charset="0"/>
+                          <a:ea typeface="微軟正黑體" panose="020B0604030504040204" pitchFamily="34" charset="-120"/>
+                          <a:cs typeface="Arial" panose="020B0604020202020204" pitchFamily="34" charset="0"/>
+                        </a:rPr>
+                        <a:t>等</a:t>
+                      </a:r>
+                    </a:p>
+                  </a:txBody>
+                  <a:tcPr anchor="ctr">
+                    <a:lnL w="9525" cap="flat" cmpd="sng" algn="ctr">
+                      <a:solidFill>
+                        <a:srgbClr val="CCCCCC"/>
+                      </a:solidFill>
+                      <a:prstDash val="solid"/>
+                      <a:round/>
+                      <a:headEnd type="none" w="med" len="med"/>
+                      <a:tailEnd type="none" w="med" len="med"/>
+                    </a:lnL>
+                    <a:lnR w="9525" cap="flat" cmpd="sng" algn="ctr">
+                      <a:solidFill>
+                        <a:srgbClr val="CCCCCC"/>
+                      </a:solidFill>
+                      <a:prstDash val="solid"/>
+                      <a:round/>
+                      <a:headEnd type="none" w="med" len="med"/>
+                      <a:tailEnd type="none" w="med" len="med"/>
+                    </a:lnR>
+                    <a:lnT w="9525" cap="flat" cmpd="sng" algn="ctr">
+                      <a:solidFill>
+                        <a:srgbClr val="CCCCCC"/>
+                      </a:solidFill>
+                      <a:prstDash val="solid"/>
+                      <a:round/>
+                      <a:headEnd type="none" w="med" len="med"/>
+                      <a:tailEnd type="none" w="med" len="med"/>
+                    </a:lnT>
+                    <a:lnB w="9525" cap="flat" cmpd="sng" algn="ctr">
+                      <a:solidFill>
+                        <a:srgbClr val="CCCCCC"/>
+                      </a:solidFill>
+                      <a:prstDash val="solid"/>
+                      <a:round/>
+                      <a:headEnd type="none" w="med" len="med"/>
+                      <a:tailEnd type="none" w="med" len="med"/>
+                    </a:lnB>
+                    <a:solidFill>
+                      <a:srgbClr val="EEEEEE"/>
+                    </a:solidFill>
+                  </a:tcPr>
+                </a:tc>
+                <a:extLst>
+                  <a:ext uri="{0D108BD9-81ED-4DB2-BD59-A6C34878D82A}">
+                    <a16:rowId xmlns:a16="http://schemas.microsoft.com/office/drawing/2014/main" val="544836017"/>
+                  </a:ext>
+                </a:extLst>
+              </a:tr>
+              <a:tr h="0">
+                <a:tc>
+                  <a:txBody>
+                    <a:bodyPr/>
+                    <a:lstStyle/>
+                    <a:p>
+                      <a:r>
+                        <a:rPr lang="en-US">
+                          <a:effectLst/>
+                          <a:latin typeface="Arial" panose="020B0604020202020204" pitchFamily="34" charset="0"/>
+                          <a:ea typeface="微軟正黑體" panose="020B0604030504040204" pitchFamily="34" charset="-120"/>
+                          <a:cs typeface="Arial" panose="020B0604020202020204" pitchFamily="34" charset="0"/>
+                        </a:rPr>
+                        <a:t>\S</a:t>
+                      </a:r>
+                    </a:p>
+                  </a:txBody>
+                  <a:tcPr anchor="ctr">
+                    <a:lnL w="9525" cap="flat" cmpd="sng" algn="ctr">
+                      <a:solidFill>
+                        <a:srgbClr val="CCCCCC"/>
+                      </a:solidFill>
+                      <a:prstDash val="solid"/>
+                      <a:round/>
+                      <a:headEnd type="none" w="med" len="med"/>
+                      <a:tailEnd type="none" w="med" len="med"/>
+                    </a:lnL>
+                    <a:lnR w="9525" cap="flat" cmpd="sng" algn="ctr">
+                      <a:solidFill>
+                        <a:srgbClr val="CCCCCC"/>
+                      </a:solidFill>
+                      <a:prstDash val="solid"/>
+                      <a:round/>
+                      <a:headEnd type="none" w="med" len="med"/>
+                      <a:tailEnd type="none" w="med" len="med"/>
+                    </a:lnR>
+                    <a:lnT w="9525" cap="flat" cmpd="sng" algn="ctr">
+                      <a:solidFill>
+                        <a:srgbClr val="CCCCCC"/>
+                      </a:solidFill>
+                      <a:prstDash val="solid"/>
+                      <a:round/>
+                      <a:headEnd type="none" w="med" len="med"/>
+                      <a:tailEnd type="none" w="med" len="med"/>
+                    </a:lnT>
+                    <a:lnB w="9525" cap="flat" cmpd="sng" algn="ctr">
+                      <a:solidFill>
+                        <a:srgbClr val="CCCCCC"/>
+                      </a:solidFill>
+                      <a:prstDash val="solid"/>
+                      <a:round/>
+                      <a:headEnd type="none" w="med" len="med"/>
+                      <a:tailEnd type="none" w="med" len="med"/>
+                    </a:lnB>
+                    <a:solidFill>
+                      <a:srgbClr val="FFFFFF"/>
+                    </a:solidFill>
+                  </a:tcPr>
+                </a:tc>
+                <a:tc>
+                  <a:txBody>
+                    <a:bodyPr/>
+                    <a:lstStyle/>
+                    <a:p>
+                      <a:r>
+                        <a:rPr lang="zh-TW" altLang="en-US" dirty="0">
+                          <a:effectLst/>
+                          <a:latin typeface="Arial" panose="020B0604020202020204" pitchFamily="34" charset="0"/>
+                          <a:ea typeface="微軟正黑體" panose="020B0604030504040204" pitchFamily="34" charset="-120"/>
+                          <a:cs typeface="Arial" panose="020B0604020202020204" pitchFamily="34" charset="0"/>
+                        </a:rPr>
+                        <a:t>非空白</a:t>
+                      </a:r>
+                    </a:p>
+                  </a:txBody>
+                  <a:tcPr anchor="ctr">
+                    <a:lnL w="9525" cap="flat" cmpd="sng" algn="ctr">
+                      <a:solidFill>
+                        <a:srgbClr val="CCCCCC"/>
+                      </a:solidFill>
+                      <a:prstDash val="solid"/>
+                      <a:round/>
+                      <a:headEnd type="none" w="med" len="med"/>
+                      <a:tailEnd type="none" w="med" len="med"/>
+                    </a:lnL>
+                    <a:lnR w="9525" cap="flat" cmpd="sng" algn="ctr">
+                      <a:solidFill>
+                        <a:srgbClr val="CCCCCC"/>
+                      </a:solidFill>
+                      <a:prstDash val="solid"/>
+                      <a:round/>
+                      <a:headEnd type="none" w="med" len="med"/>
+                      <a:tailEnd type="none" w="med" len="med"/>
+                    </a:lnR>
+                    <a:lnT w="9525" cap="flat" cmpd="sng" algn="ctr">
+                      <a:solidFill>
+                        <a:srgbClr val="CCCCCC"/>
+                      </a:solidFill>
+                      <a:prstDash val="solid"/>
+                      <a:round/>
+                      <a:headEnd type="none" w="med" len="med"/>
+                      <a:tailEnd type="none" w="med" len="med"/>
+                    </a:lnT>
+                    <a:lnB w="9525" cap="flat" cmpd="sng" algn="ctr">
+                      <a:solidFill>
+                        <a:srgbClr val="CCCCCC"/>
+                      </a:solidFill>
+                      <a:prstDash val="solid"/>
+                      <a:round/>
+                      <a:headEnd type="none" w="med" len="med"/>
+                      <a:tailEnd type="none" w="med" len="med"/>
+                    </a:lnB>
+                    <a:solidFill>
+                      <a:srgbClr val="FFFFFF"/>
+                    </a:solidFill>
+                  </a:tcPr>
+                </a:tc>
+                <a:extLst>
+                  <a:ext uri="{0D108BD9-81ED-4DB2-BD59-A6C34878D82A}">
+                    <a16:rowId xmlns:a16="http://schemas.microsoft.com/office/drawing/2014/main" val="888864124"/>
+                  </a:ext>
+                </a:extLst>
+              </a:tr>
+            </a:tbl>
+          </a:graphicData>
+        </a:graphic>
+      </p:graphicFrame>
       <p:sp>
         <p:nvSpPr>
-          <p:cNvPr id="3" name="副標題 2">
+          <p:cNvPr id="5" name="Rectangle 1">
             <a:extLst>
               <a:ext uri="{FF2B5EF4-FFF2-40B4-BE49-F238E27FC236}">
-                <a16:creationId xmlns:a16="http://schemas.microsoft.com/office/drawing/2014/main" id="{CF258355-ECE6-4CCF-B616-F3269B8CCEBF}"/>
+                <a16:creationId xmlns:a16="http://schemas.microsoft.com/office/drawing/2014/main" id="{CC7B0B97-259D-4462-8E21-6EA7D29B2252}"/>
               </a:ext>
             </a:extLst>
           </p:cNvPr>
           <p:cNvSpPr>
-            <a:spLocks noGrp="1"/>
+            <a:spLocks noChangeArrowheads="1"/>
           </p:cNvSpPr>
-          <p:nvPr>
-            <p:ph type="subTitle" idx="1"/>
-          </p:nvPr>
+          <p:nvPr/>
         </p:nvSpPr>
-        <p:spPr/>
+        <p:spPr bwMode="auto">
+          <a:xfrm>
+            <a:off x="1493291" y="5560222"/>
+            <a:ext cx="8251209" cy="523220"/>
+          </a:xfrm>
+          <a:prstGeom prst="rect">
+            <a:avLst/>
+          </a:prstGeom>
+          <a:solidFill>
+            <a:srgbClr val="ECECEC"/>
+          </a:solidFill>
+          <a:ln>
+            <a:noFill/>
+          </a:ln>
+          <a:effectLst/>
+          <a:extLst>
+            <a:ext uri="{91240B29-F687-4F45-9708-019B960494DF}">
+              <a14:hiddenLine xmlns:a14="http://schemas.microsoft.com/office/drawing/2010/main" w="9525">
+                <a:solidFill>
+                  <a:schemeClr val="tx1"/>
+                </a:solidFill>
+                <a:miter lim="800000"/>
+                <a:headEnd/>
+                <a:tailEnd/>
+              </a14:hiddenLine>
+            </a:ext>
+            <a:ext uri="{AF507438-7753-43E0-B8FC-AC1667EBCBE1}">
+              <a14:hiddenEffects xmlns:a14="http://schemas.microsoft.com/office/drawing/2010/main">
+                <a:effectLst>
+                  <a:outerShdw dist="35921" dir="2700000" algn="ctr" rotWithShape="0">
+                    <a:schemeClr val="bg2"/>
+                  </a:outerShdw>
+                </a:effectLst>
+              </a14:hiddenEffects>
+            </a:ext>
+          </a:extLst>
+        </p:spPr>
         <p:txBody>
-          <a:bodyPr/>
+          <a:bodyPr vert="horz" wrap="square" lIns="91440" tIns="45720" rIns="91440" bIns="45720" numCol="1" anchor="ctr" anchorCtr="0" compatLnSpc="1">
+            <a:prstTxWarp prst="textNoShape">
+              <a:avLst/>
+            </a:prstTxWarp>
+            <a:spAutoFit/>
+          </a:bodyPr>
           <a:lstStyle/>
           <a:p>
-            <a:endParaRPr lang="zh-TW" altLang="en-US" dirty="0"/>
+            <a:pPr marL="0" marR="0" lvl="0" indent="0" algn="l" defTabSz="914400" rtl="0" eaLnBrk="0" fontAlgn="base" latinLnBrk="0" hangingPunct="0">
+              <a:lnSpc>
+                <a:spcPct val="100000"/>
+              </a:lnSpc>
+              <a:spcBef>
+                <a:spcPct val="0"/>
+              </a:spcBef>
+              <a:spcAft>
+                <a:spcPct val="0"/>
+              </a:spcAft>
+              <a:buClrTx/>
+              <a:buSzTx/>
+              <a:buFontTx/>
+              <a:buNone/>
+              <a:tabLst/>
+            </a:pPr>
+            <a:r>
+              <a:rPr kumimoji="0" lang="zh-TW" altLang="zh-TW" sz="1400" b="1" i="0" u="none" strike="noStrike" cap="none" normalizeH="0" baseline="0" dirty="0">
+                <a:ln>
+                  <a:noFill/>
+                </a:ln>
+                <a:solidFill>
+                  <a:srgbClr val="00695C"/>
+                </a:solidFill>
+                <a:effectLst/>
+                <a:latin typeface="Arial" panose="020B0604020202020204" pitchFamily="34" charset="0"/>
+                <a:ea typeface="微軟正黑體" panose="020B0604030504040204" pitchFamily="34" charset="-120"/>
+                <a:cs typeface="Arial" panose="020B0604020202020204" pitchFamily="34" charset="0"/>
+              </a:rPr>
+              <a:t>Note</a:t>
+            </a:r>
+            <a:endParaRPr kumimoji="0" lang="zh-TW" altLang="zh-TW" sz="1400" b="0" i="0" u="none" strike="noStrike" cap="none" normalizeH="0" baseline="0" dirty="0">
+              <a:ln>
+                <a:noFill/>
+              </a:ln>
+              <a:solidFill>
+                <a:srgbClr val="212121"/>
+              </a:solidFill>
+              <a:effectLst/>
+              <a:latin typeface="Arial" panose="020B0604020202020204" pitchFamily="34" charset="0"/>
+              <a:ea typeface="微軟正黑體" panose="020B0604030504040204" pitchFamily="34" charset="-120"/>
+              <a:cs typeface="Arial" panose="020B0604020202020204" pitchFamily="34" charset="0"/>
+            </a:endParaRPr>
+          </a:p>
+          <a:p>
+            <a:pPr marL="0" marR="0" lvl="0" indent="0" algn="l" defTabSz="914400" rtl="0" eaLnBrk="0" fontAlgn="base" latinLnBrk="0" hangingPunct="0">
+              <a:lnSpc>
+                <a:spcPct val="100000"/>
+              </a:lnSpc>
+              <a:spcBef>
+                <a:spcPct val="0"/>
+              </a:spcBef>
+              <a:spcAft>
+                <a:spcPct val="0"/>
+              </a:spcAft>
+              <a:buClrTx/>
+              <a:buSzTx/>
+              <a:buFontTx/>
+              <a:buNone/>
+              <a:tabLst/>
+            </a:pPr>
+            <a:r>
+              <a:rPr kumimoji="0" lang="zh-TW" altLang="zh-TW" sz="1400" b="0" i="0" u="none" strike="noStrike" cap="none" normalizeH="0" baseline="0" dirty="0">
+                <a:ln>
+                  <a:noFill/>
+                </a:ln>
+                <a:solidFill>
+                  <a:srgbClr val="1A1A1A"/>
+                </a:solidFill>
+                <a:effectLst/>
+                <a:latin typeface="Arial" panose="020B0604020202020204" pitchFamily="34" charset="0"/>
+                <a:ea typeface="微軟正黑體" panose="020B0604030504040204" pitchFamily="34" charset="-120"/>
+                <a:cs typeface="Arial" panose="020B0604020202020204" pitchFamily="34" charset="0"/>
+              </a:rPr>
+              <a:t>通常 \w 代表的是 [A-Za-z0-9_]，但在 Python3 中，\w 也可以是中文字。</a:t>
+            </a:r>
+            <a:endParaRPr kumimoji="0" lang="zh-TW" altLang="zh-TW" sz="1800" b="0" i="0" u="none" strike="noStrike" cap="none" normalizeH="0" baseline="0" dirty="0">
+              <a:ln>
+                <a:noFill/>
+              </a:ln>
+              <a:solidFill>
+                <a:schemeClr val="tx1"/>
+              </a:solidFill>
+              <a:effectLst/>
+              <a:latin typeface="Arial" panose="020B0604020202020204" pitchFamily="34" charset="0"/>
+              <a:ea typeface="微軟正黑體" panose="020B0604030504040204" pitchFamily="34" charset="-120"/>
+              <a:cs typeface="Arial" panose="020B0604020202020204" pitchFamily="34" charset="0"/>
+            </a:endParaRPr>
           </a:p>
         </p:txBody>
       </p:sp>
     </p:spTree>
     <p:extLst>
       <p:ext uri="{BB962C8B-B14F-4D97-AF65-F5344CB8AC3E}">
-        <p14:creationId xmlns:p14="http://schemas.microsoft.com/office/powerpoint/2010/main" val="3870471210"/>
+        <p14:creationId xmlns:p14="http://schemas.microsoft.com/office/powerpoint/2010/main" val="2777889780"/>
       </p:ext>
     </p:extLst>
   </p:cSld>
@@ -9957,7 +12348,7 @@
           <p:cNvPr id="2" name="標題 1">
             <a:extLst>
               <a:ext uri="{FF2B5EF4-FFF2-40B4-BE49-F238E27FC236}">
-                <a16:creationId xmlns:a16="http://schemas.microsoft.com/office/drawing/2014/main" id="{6F711AD4-639F-4A6E-8428-B1CDF409E76D}"/>
+                <a16:creationId xmlns:a16="http://schemas.microsoft.com/office/drawing/2014/main" id="{FA212651-C726-4D38-8E64-367B53EC5C40}"/>
               </a:ext>
             </a:extLst>
           </p:cNvPr>
@@ -9965,7 +12356,7 @@
             <a:spLocks noGrp="1"/>
           </p:cNvSpPr>
           <p:nvPr>
-            <p:ph type="title"/>
+            <p:ph type="ctrTitle"/>
           </p:nvPr>
         </p:nvSpPr>
         <p:spPr/>
@@ -9975,147 +12366,32 @@
           <a:p>
             <a:r>
               <a:rPr lang="en-US" altLang="zh-TW" dirty="0"/>
-              <a:t>VCF (Variance Calling File)</a:t>
+              <a:t>Check</a:t>
+            </a:r>
+            <a:r>
+              <a:rPr lang="zh-TW" altLang="en-US" dirty="0"/>
+              <a:t> </a:t>
+            </a:r>
+            <a:r>
+              <a:rPr lang="en-US" altLang="zh-TW" dirty="0"/>
+              <a:t>mutation</a:t>
+            </a:r>
+            <a:r>
+              <a:rPr lang="zh-TW" altLang="en-US" dirty="0"/>
+              <a:t> </a:t>
+            </a:r>
+            <a:r>
+              <a:rPr lang="en-US" altLang="zh-TW" dirty="0"/>
+              <a:t>position</a:t>
             </a:r>
             <a:endParaRPr lang="zh-TW" altLang="en-US" dirty="0"/>
-          </a:p>
-        </p:txBody>
-      </p:sp>
-      <p:sp>
-        <p:nvSpPr>
-          <p:cNvPr id="5" name="文字方塊 4">
-            <a:extLst>
-              <a:ext uri="{FF2B5EF4-FFF2-40B4-BE49-F238E27FC236}">
-                <a16:creationId xmlns:a16="http://schemas.microsoft.com/office/drawing/2014/main" id="{EC4B0736-3D5F-4C2C-AA8D-C3EAC751695D}"/>
-              </a:ext>
-            </a:extLst>
-          </p:cNvPr>
-          <p:cNvSpPr txBox="1"/>
-          <p:nvPr/>
-        </p:nvSpPr>
-        <p:spPr>
-          <a:xfrm>
-            <a:off x="420916" y="1518767"/>
-            <a:ext cx="45661942" cy="4801314"/>
-          </a:xfrm>
-          <a:prstGeom prst="rect">
-            <a:avLst/>
-          </a:prstGeom>
-          <a:noFill/>
-        </p:spPr>
-        <p:txBody>
-          <a:bodyPr wrap="square">
-            <a:spAutoFit/>
-          </a:bodyPr>
-          <a:lstStyle/>
-          <a:p>
-            <a:r>
-              <a:rPr lang="zh-TW" altLang="en-US" dirty="0"/>
-              <a:t>##fileformat=VCFv4.2</a:t>
-            </a:r>
-          </a:p>
-          <a:p>
-            <a:r>
-              <a:rPr lang="zh-TW" altLang="en-US" dirty="0"/>
-              <a:t>##FILTER=&lt;ID=PASS,Description="All filters passed"&gt;</a:t>
-            </a:r>
-          </a:p>
-          <a:p>
-            <a:r>
-              <a:rPr lang="zh-TW" altLang="en-US" dirty="0"/>
-              <a:t>##bcftoolsVersion=1.11+htslib-1.11</a:t>
-            </a:r>
-          </a:p>
-          <a:p>
-            <a:r>
-              <a:rPr lang="en-US" altLang="zh-TW" dirty="0"/>
-              <a:t>.</a:t>
-            </a:r>
-          </a:p>
-          <a:p>
-            <a:r>
-              <a:rPr lang="en-US" altLang="zh-TW" dirty="0"/>
-              <a:t>.</a:t>
-            </a:r>
-          </a:p>
-          <a:p>
-            <a:r>
-              <a:rPr lang="en-US" altLang="zh-TW" dirty="0"/>
-              <a:t>.</a:t>
-            </a:r>
-          </a:p>
-          <a:p>
-            <a:r>
-              <a:rPr lang="zh-TW" altLang="en-US" dirty="0"/>
-              <a:t>##bcftools_callCommand=call -mv -Ob -o HOL1.bwa.sorted.raw.bcf; Date=Mon Nov 30 07:10:41 2020</a:t>
-            </a:r>
-          </a:p>
-          <a:p>
-            <a:r>
-              <a:rPr lang="zh-TW" altLang="en-US" dirty="0"/>
-              <a:t>##bcftools_viewVersion=1.11+htslib-1.11</a:t>
-            </a:r>
-          </a:p>
-          <a:p>
-            <a:r>
-              <a:rPr lang="zh-TW" altLang="en-US" dirty="0"/>
-              <a:t>##bcftools_viewCommand=view -i %QUAL&gt;=20 -Ov -o HOL1.bwa.sorted.filted.vcf HOL1.bwa.sorted.raw.bcf; Date=Mon Nov 30 07:28:32 2020</a:t>
-            </a:r>
-          </a:p>
-          <a:p>
-            <a:r>
-              <a:rPr lang="zh-TW" altLang="en-US" dirty="0"/>
-              <a:t>#CHROM	POS	ID	REF	ALT	QUAL	FILTER	INFO	FORMAT	HOL1.bwa.sorted.bam</a:t>
-            </a:r>
-          </a:p>
-          <a:p>
-            <a:r>
-              <a:rPr lang="zh-TW" altLang="en-US" dirty="0"/>
-              <a:t>NC_003030.1	196943	.	TAAAAAA	TAAAAA	109	.	INDEL;IDV=121;IMF=0.960317;DP=126;VDB=0.999386;SGB=-0.693147;MQSB=1;MQ0F=0;AC=2;AN=2;DP4=4,3,57,62;MQ=60	GT:PL	1/1:136,228,0</a:t>
-            </a:r>
-          </a:p>
-          <a:p>
-            <a:r>
-              <a:rPr lang="zh-TW" altLang="en-US" dirty="0"/>
-              <a:t>NC_003030.1	303842	.	T	G	225	.	DP=138;VDB=0.557095;SGB=-0.693147;MQSB=1;MQ0F=0;AC=2;AN=2;DP4=0,0,58,80;MQ=60	GT:PL	1/1:255,255,0</a:t>
-            </a:r>
-          </a:p>
-          <a:p>
-            <a:r>
-              <a:rPr lang="zh-TW" altLang="en-US" dirty="0"/>
-              <a:t>NC_003030.1	310671	.	TA	T	228	.	INDEL;IDV=137;IMF=0.971631;DP=141;VDB=0.686628;SGB=-0.693147;MQSB=0.999581;MQ0F=0.0070922;AC=2;AN=2;DP4=2,1,74,64;MQ=57	GT:PL	1/1:255,255,0</a:t>
-            </a:r>
-          </a:p>
-          <a:p>
-            <a:r>
-              <a:rPr lang="zh-TW" altLang="en-US" dirty="0"/>
-              <a:t>NC_003030.1	345919	.	A	G	135	.	DP=43;VDB=2.89699e-05;SGB=-0.69168;RPB=3.21474e-06;MQB=6.47595e-07;MQSB=0.738371;BQB=0.557051;MQ0F=0.465116;AC=2;AN=2;DP4=12,8,10,9;MQ=12	GT:PL	1/1:162,6,0</a:t>
-            </a:r>
-          </a:p>
-          <a:p>
-            <a:r>
-              <a:rPr lang="zh-TW" altLang="en-US" dirty="0"/>
-              <a:t>NC_003030.1	345995	.	C	T	228	.	DP=59;VDB=7.42243e-17;SGB=-0.693147;RPB=0.849057;MQB=0.0188679;MQSB=0.455468;BQB=0.358491;MQ0F=0.0508475;AC=2;AN=2;DP4=0,2,32,21;MQ=41	GT:PL	1/1:255,131,0</a:t>
-            </a:r>
-          </a:p>
-          <a:p>
-            <a:r>
-              <a:rPr lang="zh-TW" altLang="en-US" dirty="0"/>
-              <a:t>NC_003030.1	346085	.	C	G	225	.	DP=95;VDB=0.0140058;SGB=-0.693147;MQSB=0.956968;MQ0F=0;AC=2;AN=2;DP4=0,0,52,42;MQ=50	GT:PL	1/1:255,255,0</a:t>
-            </a:r>
-          </a:p>
-          <a:p>
-            <a:r>
-              <a:rPr lang="zh-TW" altLang="en-US" dirty="0"/>
-              <a:t>NC_003030.1	389758	.	T	A	225	.	DP=120;VDB=0.357508;SGB=-0.693147;MQSB=1;MQ0F=0;AC=2;AN=2;DP4=0,0,68,51;MQ=60	GT:PL	1/1:255,255,0</a:t>
-            </a:r>
           </a:p>
         </p:txBody>
       </p:sp>
     </p:spTree>
     <p:extLst>
       <p:ext uri="{BB962C8B-B14F-4D97-AF65-F5344CB8AC3E}">
-        <p14:creationId xmlns:p14="http://schemas.microsoft.com/office/powerpoint/2010/main" val="3979603299"/>
+        <p14:creationId xmlns:p14="http://schemas.microsoft.com/office/powerpoint/2010/main" val="3870471210"/>
       </p:ext>
     </p:extLst>
   </p:cSld>
@@ -10147,7 +12423,7 @@
           <p:cNvPr id="2" name="標題 1">
             <a:extLst>
               <a:ext uri="{FF2B5EF4-FFF2-40B4-BE49-F238E27FC236}">
-                <a16:creationId xmlns:a16="http://schemas.microsoft.com/office/drawing/2014/main" id="{4FF0D90F-751E-4D3D-B3B8-CFD1657CB71F}"/>
+                <a16:creationId xmlns:a16="http://schemas.microsoft.com/office/drawing/2014/main" id="{6D98E611-DC29-4409-AB24-55DA04815DF3}"/>
               </a:ext>
             </a:extLst>
           </p:cNvPr>
@@ -10164,168 +12440,197 @@
           <a:lstStyle/>
           <a:p>
             <a:r>
-              <a:rPr lang="en-US" altLang="zh-TW" dirty="0" err="1"/>
-              <a:t>gff</a:t>
-            </a:r>
-            <a:r>
-              <a:rPr lang="en-US" altLang="zh-TW" dirty="0"/>
-              <a:t> file (genome annotation file)</a:t>
-            </a:r>
-            <a:endParaRPr lang="zh-TW" altLang="en-US" dirty="0"/>
+              <a:rPr lang="en-US" altLang="zh-TW" dirty="0">
+                <a:latin typeface="Arial" panose="020B0604020202020204" pitchFamily="34" charset="0"/>
+                <a:cs typeface="Arial" panose="020B0604020202020204" pitchFamily="34" charset="0"/>
+              </a:rPr>
+              <a:t>Check_mutation_position.py</a:t>
+            </a:r>
+            <a:endParaRPr lang="zh-TW" altLang="en-US" dirty="0">
+              <a:latin typeface="Arial" panose="020B0604020202020204" pitchFamily="34" charset="0"/>
+              <a:cs typeface="Arial" panose="020B0604020202020204" pitchFamily="34" charset="0"/>
+            </a:endParaRPr>
           </a:p>
         </p:txBody>
       </p:sp>
       <p:sp>
         <p:nvSpPr>
-          <p:cNvPr id="5" name="文字方塊 4">
+          <p:cNvPr id="3" name="內容版面配置區 2">
             <a:extLst>
               <a:ext uri="{FF2B5EF4-FFF2-40B4-BE49-F238E27FC236}">
-                <a16:creationId xmlns:a16="http://schemas.microsoft.com/office/drawing/2014/main" id="{BF2626BD-DE89-4309-AD7E-515A44E4DC53}"/>
+                <a16:creationId xmlns:a16="http://schemas.microsoft.com/office/drawing/2014/main" id="{76BCDD83-C3B7-455E-947D-66D0B54CB17A}"/>
               </a:ext>
             </a:extLst>
           </p:cNvPr>
-          <p:cNvSpPr txBox="1"/>
-          <p:nvPr/>
+          <p:cNvSpPr>
+            <a:spLocks noGrp="1"/>
+          </p:cNvSpPr>
+          <p:nvPr>
+            <p:ph idx="1"/>
+          </p:nvPr>
         </p:nvSpPr>
-        <p:spPr>
-          <a:xfrm>
-            <a:off x="188685" y="1690688"/>
-            <a:ext cx="39016215" cy="5016758"/>
-          </a:xfrm>
-          <a:prstGeom prst="rect">
-            <a:avLst/>
-          </a:prstGeom>
-          <a:noFill/>
-        </p:spPr>
+        <p:spPr/>
         <p:txBody>
-          <a:bodyPr wrap="square">
-            <a:spAutoFit/>
-          </a:bodyPr>
+          <a:bodyPr/>
           <a:lstStyle/>
           <a:p>
-            <a:r>
-              <a:rPr lang="zh-TW" altLang="en-US" sz="1600" dirty="0"/>
-              <a:t>##gff-version 3</a:t>
-            </a:r>
-          </a:p>
-          <a:p>
-            <a:r>
-              <a:rPr lang="zh-TW" altLang="en-US" sz="1600" dirty="0"/>
-              <a:t>#!gff-spec-version 1.21</a:t>
-            </a:r>
-          </a:p>
-          <a:p>
-            <a:r>
-              <a:rPr lang="zh-TW" altLang="en-US" sz="1600" dirty="0"/>
-              <a:t>#!processor NCBI annotwriter</a:t>
-            </a:r>
-          </a:p>
-          <a:p>
-            <a:r>
-              <a:rPr lang="zh-TW" altLang="en-US" sz="1600" dirty="0"/>
-              <a:t>#!genome-build ASM876v1</a:t>
-            </a:r>
-          </a:p>
-          <a:p>
-            <a:r>
-              <a:rPr lang="zh-TW" altLang="en-US" sz="1600" dirty="0"/>
-              <a:t>#!genome-build-accession NCBI_Assembly:GCF_000008765.1</a:t>
-            </a:r>
-          </a:p>
-          <a:p>
-            <a:r>
-              <a:rPr lang="zh-TW" altLang="en-US" sz="1600" dirty="0"/>
-              <a:t>#!annotation-date 10/25/2020 10:26:40</a:t>
-            </a:r>
-          </a:p>
-          <a:p>
-            <a:r>
-              <a:rPr lang="zh-TW" altLang="en-US" sz="1600" dirty="0"/>
-              <a:t>#!annotation-source NCBI RefSeq </a:t>
-            </a:r>
-          </a:p>
-          <a:p>
-            <a:r>
-              <a:rPr lang="zh-TW" altLang="en-US" sz="1600" dirty="0"/>
-              <a:t>##sequence-region NC_003030.1 1 3940880</a:t>
-            </a:r>
-          </a:p>
-          <a:p>
-            <a:r>
-              <a:rPr lang="zh-TW" altLang="en-US" sz="1600" dirty="0"/>
-              <a:t>##species https://www.ncbi.nlm.nih.gov/Taxonomy/Browser/wwwtax.cgi?id=272562</a:t>
-            </a:r>
-          </a:p>
-          <a:p>
-            <a:r>
-              <a:rPr lang="zh-TW" altLang="en-US" sz="1600" dirty="0"/>
-              <a:t>NC_003030.1	RefSeq	region	1	3940880	.	+	.	ID=NC_003030.1:1..3940880;Dbxref=ATCC:824,taxon:272562;Is_circular=true;Name=ANONYMOUS;gbkey=Src;genome=chromosome;mol_type=genomic DNA;strain=ATCC 824;type-material=type strain of Clostridium acetobutylicum</a:t>
-            </a:r>
-          </a:p>
-          <a:p>
-            <a:r>
-              <a:rPr lang="zh-TW" altLang="en-US" sz="1600" dirty="0"/>
-              <a:t>NC_003030.1	RefSeq	gene	467	1807	.	+	.	ID=gene-CA_RS00005;Name=dnaA;gbkey=Gene;gene=dnaA;gene_biotype=protein_coding;locus_tag=CA_RS00005;old_locus_tag=CA_C0001</a:t>
-            </a:r>
-          </a:p>
-          <a:p>
-            <a:r>
-              <a:rPr lang="zh-TW" altLang="en-US" sz="1600" dirty="0"/>
-              <a:t>NC_003030.1	Protein Homology	CDS	467	1807	.	+	0	ID=cds-WP_010963330.1;Parent=gene-CA_RS00005;Dbxref=Genbank:WP_010963330.1;Name=WP_010963330.1;gbkey=CDS;gene=dnaA;inference=COORDINATES: similar to AA sequence:RefSeq:WP_010963330.1;locus_tag=CA_RS00005;product=chromosomal replication initiator protein DnaA;protein_id=WP_010963330.1;transl_table=11</a:t>
-            </a:r>
-          </a:p>
-          <a:p>
-            <a:r>
-              <a:rPr lang="zh-TW" altLang="en-US" sz="1600" dirty="0"/>
-              <a:t>NC_003030.1	RefSeq	gene	2064	3164	.	+	.	ID=gene-CA_RS00010;Name=CA_RS00010;gbkey=Gene;gene_biotype=protein_coding;locus_tag=CA_RS00010;old_locus_tag=CA_C0002</a:t>
-            </a:r>
-          </a:p>
-          <a:p>
-            <a:r>
-              <a:rPr lang="zh-TW" altLang="en-US" sz="1600" dirty="0"/>
-              <a:t>NC_003030.1	Protein Homology	CDS	2064	3164	.	+	0	ID=cds-WP_010963331.1;Parent=gene-CA_RS00010;Dbxref=Genbank:WP_010963331.1;Name=WP_010963331.1;gbkey=CDS;inference=COORDINATES: similar to AA sequence:RefSeq:WP_010963331.1;locus_tag=CA_RS00010;product=DNA polymerase III subunit beta;protein_id=WP_010963331.1;transl_table=11</a:t>
-            </a:r>
-          </a:p>
-          <a:p>
-            <a:r>
-              <a:rPr lang="zh-TW" altLang="en-US" sz="1600" dirty="0"/>
-              <a:t>NC_003030.1	RefSeq	gene	3195	3401	.	+	.	ID=gene-CA_RS00015;Name=yaaA;gbkey=Gene;gene=yaaA;gene_biotype=protein_coding;locus_tag=CA_RS00015;old_locus_tag=CA_C0003</a:t>
-            </a:r>
-          </a:p>
-          <a:p>
-            <a:r>
-              <a:rPr lang="zh-TW" altLang="en-US" sz="1600" dirty="0"/>
-              <a:t>NC_003030.1	Protein Homology	CDS	3195	3401	.	+	0	ID=cds-WP_010963332.1;Parent=gene-CA_RS00015;Dbxref=Genbank:WP_010963332.1;Name=WP_010963332.1;gbkey=CDS;gene=yaaA;inference=COORDINATES: similar to AA sequence:RefSeq:WP_003451038.1;locus_tag=CA_RS00015;product=S4 domain-containing protein YaaA;protein_id=WP_010963332.1;transl_table=11</a:t>
-            </a:r>
-          </a:p>
-          <a:p>
-            <a:r>
-              <a:rPr lang="zh-TW" altLang="en-US" sz="1600" dirty="0"/>
-              <a:t>NC_003030.1	RefSeq	gene	3447	4538	.	+	.	ID=gene-CA_RS00020;Name=recF;gbkey=Gene;gene=recF;gene_biotype=protein_coding;locus_tag=CA_RS00020;old_locus_tag=CA_C0004</a:t>
-            </a:r>
-          </a:p>
-          <a:p>
-            <a:r>
-              <a:rPr lang="zh-TW" altLang="en-US" sz="1600" dirty="0"/>
-              <a:t>NC_003030.1	Protein Homology	CDS	3447	4538	.	+	0	ID=cds-WP_010963333.1;Parent=gene-CA_RS00020;Dbxref=Genbank:WP_010963333.1;Name=WP_010963333.1;gbkey=CDS;gene=recF;inference=COORDINATES: similar to AA sequence:RefSeq:WP_010963333.1;locus_tag=CA_RS00020;product=DNA replication/repair protein RecF;protein_id=WP_010963333.1;transl_table=11</a:t>
-            </a:r>
-          </a:p>
-          <a:p>
-            <a:r>
-              <a:rPr lang="zh-TW" altLang="en-US" sz="1600" dirty="0"/>
-              <a:t>NC_003030.1	RefSeq	gene	4558	4821	.	+	.	ID=gene-CA_RS00025;Name=CA_RS00025;gbkey=Gene;gene_biotype=protein_coding;locus_tag=CA_RS00025;old_locus_tag=CA_C0005</a:t>
-            </a:r>
-            <a:endParaRPr lang="en-US" altLang="zh-TW" sz="1600" dirty="0"/>
-          </a:p>
-          <a:p>
-            <a:endParaRPr lang="zh-TW" altLang="en-US" sz="1600" dirty="0"/>
+            <a:endParaRPr lang="en-US" altLang="zh-TW" dirty="0">
+              <a:latin typeface="Arial" panose="020B0604020202020204" pitchFamily="34" charset="0"/>
+              <a:ea typeface="微軟正黑體" panose="020B0604030504040204" pitchFamily="34" charset="-120"/>
+              <a:cs typeface="Arial" panose="020B0604020202020204" pitchFamily="34" charset="0"/>
+            </a:endParaRPr>
+          </a:p>
+          <a:p>
+            <a:r>
+              <a:rPr lang="en-US" altLang="zh-TW" dirty="0">
+                <a:latin typeface="Arial" panose="020B0604020202020204" pitchFamily="34" charset="0"/>
+                <a:ea typeface="微軟正黑體" panose="020B0604030504040204" pitchFamily="34" charset="-120"/>
+                <a:cs typeface="Arial" panose="020B0604020202020204" pitchFamily="34" charset="0"/>
+              </a:rPr>
+              <a:t>Part I</a:t>
+            </a:r>
+          </a:p>
+          <a:p>
+            <a:pPr lvl="1"/>
+            <a:r>
+              <a:rPr lang="en-US" altLang="zh-TW" dirty="0">
+                <a:latin typeface="Arial" panose="020B0604020202020204" pitchFamily="34" charset="0"/>
+                <a:ea typeface="微軟正黑體" panose="020B0604030504040204" pitchFamily="34" charset="-120"/>
+                <a:cs typeface="Arial" panose="020B0604020202020204" pitchFamily="34" charset="0"/>
+              </a:rPr>
+              <a:t>read </a:t>
+            </a:r>
+            <a:r>
+              <a:rPr lang="en-US" altLang="zh-TW" dirty="0" err="1">
+                <a:latin typeface="Arial" panose="020B0604020202020204" pitchFamily="34" charset="0"/>
+                <a:ea typeface="微軟正黑體" panose="020B0604030504040204" pitchFamily="34" charset="-120"/>
+                <a:cs typeface="Arial" panose="020B0604020202020204" pitchFamily="34" charset="0"/>
+              </a:rPr>
+              <a:t>vcf</a:t>
+            </a:r>
+            <a:endParaRPr lang="en-US" altLang="zh-TW" dirty="0">
+              <a:latin typeface="Arial" panose="020B0604020202020204" pitchFamily="34" charset="0"/>
+              <a:ea typeface="微軟正黑體" panose="020B0604030504040204" pitchFamily="34" charset="-120"/>
+              <a:cs typeface="Arial" panose="020B0604020202020204" pitchFamily="34" charset="0"/>
+            </a:endParaRPr>
+          </a:p>
+          <a:p>
+            <a:endParaRPr lang="en-US" altLang="zh-TW" dirty="0">
+              <a:latin typeface="Arial" panose="020B0604020202020204" pitchFamily="34" charset="0"/>
+              <a:ea typeface="微軟正黑體" panose="020B0604030504040204" pitchFamily="34" charset="-120"/>
+              <a:cs typeface="Arial" panose="020B0604020202020204" pitchFamily="34" charset="0"/>
+            </a:endParaRPr>
+          </a:p>
+          <a:p>
+            <a:r>
+              <a:rPr lang="en-US" altLang="zh-TW" dirty="0">
+                <a:latin typeface="Arial" panose="020B0604020202020204" pitchFamily="34" charset="0"/>
+                <a:ea typeface="微軟正黑體" panose="020B0604030504040204" pitchFamily="34" charset="-120"/>
+                <a:cs typeface="Arial" panose="020B0604020202020204" pitchFamily="34" charset="0"/>
+              </a:rPr>
+              <a:t>Part II</a:t>
+            </a:r>
+          </a:p>
+          <a:p>
+            <a:pPr lvl="1"/>
+            <a:r>
+              <a:rPr lang="en-US" altLang="zh-TW" dirty="0">
+                <a:latin typeface="Arial" panose="020B0604020202020204" pitchFamily="34" charset="0"/>
+                <a:ea typeface="微軟正黑體" panose="020B0604030504040204" pitchFamily="34" charset="-120"/>
+                <a:cs typeface="Arial" panose="020B0604020202020204" pitchFamily="34" charset="0"/>
+              </a:rPr>
+              <a:t>read </a:t>
+            </a:r>
+            <a:r>
+              <a:rPr lang="en-US" altLang="zh-TW" dirty="0" err="1">
+                <a:latin typeface="Arial" panose="020B0604020202020204" pitchFamily="34" charset="0"/>
+                <a:ea typeface="微軟正黑體" panose="020B0604030504040204" pitchFamily="34" charset="-120"/>
+                <a:cs typeface="Arial" panose="020B0604020202020204" pitchFamily="34" charset="0"/>
+              </a:rPr>
+              <a:t>gff</a:t>
+            </a:r>
+            <a:r>
+              <a:rPr lang="en-US" altLang="zh-TW" dirty="0">
+                <a:latin typeface="Arial" panose="020B0604020202020204" pitchFamily="34" charset="0"/>
+                <a:ea typeface="微軟正黑體" panose="020B0604030504040204" pitchFamily="34" charset="-120"/>
+                <a:cs typeface="Arial" panose="020B0604020202020204" pitchFamily="34" charset="0"/>
+              </a:rPr>
+              <a:t> file</a:t>
+            </a:r>
+            <a:r>
+              <a:rPr lang="zh-TW" altLang="en-US" dirty="0">
+                <a:latin typeface="Arial" panose="020B0604020202020204" pitchFamily="34" charset="0"/>
+                <a:ea typeface="微軟正黑體" panose="020B0604030504040204" pitchFamily="34" charset="-120"/>
+                <a:cs typeface="Arial" panose="020B0604020202020204" pitchFamily="34" charset="0"/>
+              </a:rPr>
+              <a:t> </a:t>
+            </a:r>
+            <a:r>
+              <a:rPr lang="en-US" altLang="zh-TW" dirty="0">
+                <a:latin typeface="Arial" panose="020B0604020202020204" pitchFamily="34" charset="0"/>
+                <a:ea typeface="微軟正黑體" panose="020B0604030504040204" pitchFamily="34" charset="-120"/>
+                <a:cs typeface="Arial" panose="020B0604020202020204" pitchFamily="34" charset="0"/>
+              </a:rPr>
+              <a:t>&amp;</a:t>
+            </a:r>
+            <a:r>
+              <a:rPr lang="zh-TW" altLang="en-US" dirty="0">
+                <a:latin typeface="Arial" panose="020B0604020202020204" pitchFamily="34" charset="0"/>
+                <a:ea typeface="微軟正黑體" panose="020B0604030504040204" pitchFamily="34" charset="-120"/>
+                <a:cs typeface="Arial" panose="020B0604020202020204" pitchFamily="34" charset="0"/>
+              </a:rPr>
+              <a:t> 把突變位置做</a:t>
+            </a:r>
+            <a:r>
+              <a:rPr lang="en-US" altLang="zh-TW" dirty="0">
+                <a:latin typeface="Arial" panose="020B0604020202020204" pitchFamily="34" charset="0"/>
+                <a:ea typeface="微軟正黑體" panose="020B0604030504040204" pitchFamily="34" charset="-120"/>
+                <a:cs typeface="Arial" panose="020B0604020202020204" pitchFamily="34" charset="0"/>
+              </a:rPr>
+              <a:t>annotation</a:t>
+            </a:r>
+          </a:p>
+          <a:p>
+            <a:endParaRPr lang="en-US" altLang="zh-TW" dirty="0">
+              <a:latin typeface="Arial" panose="020B0604020202020204" pitchFamily="34" charset="0"/>
+              <a:ea typeface="微軟正黑體" panose="020B0604030504040204" pitchFamily="34" charset="-120"/>
+              <a:cs typeface="Arial" panose="020B0604020202020204" pitchFamily="34" charset="0"/>
+            </a:endParaRPr>
+          </a:p>
+          <a:p>
+            <a:r>
+              <a:rPr lang="en-US" altLang="zh-TW" dirty="0">
+                <a:latin typeface="Arial" panose="020B0604020202020204" pitchFamily="34" charset="0"/>
+                <a:ea typeface="微軟正黑體" panose="020B0604030504040204" pitchFamily="34" charset="-120"/>
+                <a:cs typeface="Arial" panose="020B0604020202020204" pitchFamily="34" charset="0"/>
+              </a:rPr>
+              <a:t>Part III</a:t>
+            </a:r>
+          </a:p>
+          <a:p>
+            <a:pPr lvl="1"/>
+            <a:r>
+              <a:rPr lang="en-US" altLang="zh-TW" dirty="0">
+                <a:latin typeface="Arial" panose="020B0604020202020204" pitchFamily="34" charset="0"/>
+                <a:ea typeface="微軟正黑體" panose="020B0604030504040204" pitchFamily="34" charset="-120"/>
+                <a:cs typeface="Arial" panose="020B0604020202020204" pitchFamily="34" charset="0"/>
+              </a:rPr>
+              <a:t>Output result</a:t>
+            </a:r>
+          </a:p>
+          <a:p>
+            <a:endParaRPr lang="zh-TW" altLang="en-US" dirty="0">
+              <a:latin typeface="Arial" panose="020B0604020202020204" pitchFamily="34" charset="0"/>
+              <a:ea typeface="微軟正黑體" panose="020B0604030504040204" pitchFamily="34" charset="-120"/>
+              <a:cs typeface="Arial" panose="020B0604020202020204" pitchFamily="34" charset="0"/>
+            </a:endParaRPr>
           </a:p>
         </p:txBody>
       </p:sp>
     </p:spTree>
     <p:extLst>
       <p:ext uri="{BB962C8B-B14F-4D97-AF65-F5344CB8AC3E}">
-        <p14:creationId xmlns:p14="http://schemas.microsoft.com/office/powerpoint/2010/main" val="3644841056"/>
+        <p14:creationId xmlns:p14="http://schemas.microsoft.com/office/powerpoint/2010/main" val="3630582301"/>
       </p:ext>
     </p:extLst>
   </p:cSld>
@@ -10336,6 +12641,248 @@
 </file>
 
 <file path=ppt/slides/slide8.xml><?xml version="1.0" encoding="utf-8"?>
+<p:sld xmlns:a="http://schemas.openxmlformats.org/drawingml/2006/main" xmlns:r="http://schemas.openxmlformats.org/officeDocument/2006/relationships" xmlns:p="http://schemas.openxmlformats.org/presentationml/2006/main">
+  <p:cSld>
+    <p:spTree>
+      <p:nvGrpSpPr>
+        <p:cNvPr id="1" name=""/>
+        <p:cNvGrpSpPr/>
+        <p:nvPr/>
+      </p:nvGrpSpPr>
+      <p:grpSpPr>
+        <a:xfrm>
+          <a:off x="0" y="0"/>
+          <a:ext cx="0" cy="0"/>
+          <a:chOff x="0" y="0"/>
+          <a:chExt cx="0" cy="0"/>
+        </a:xfrm>
+      </p:grpSpPr>
+      <p:sp>
+        <p:nvSpPr>
+          <p:cNvPr id="2" name="標題 1">
+            <a:extLst>
+              <a:ext uri="{FF2B5EF4-FFF2-40B4-BE49-F238E27FC236}">
+                <a16:creationId xmlns:a16="http://schemas.microsoft.com/office/drawing/2014/main" id="{BF7FDBAD-D626-456A-B83C-10710BF9CB30}"/>
+              </a:ext>
+            </a:extLst>
+          </p:cNvPr>
+          <p:cNvSpPr>
+            <a:spLocks noGrp="1"/>
+          </p:cNvSpPr>
+          <p:nvPr>
+            <p:ph type="title"/>
+          </p:nvPr>
+        </p:nvSpPr>
+        <p:spPr/>
+        <p:txBody>
+          <a:bodyPr/>
+          <a:lstStyle/>
+          <a:p>
+            <a:r>
+              <a:rPr lang="en-US" altLang="zh-TW" dirty="0">
+                <a:latin typeface="Arial" panose="020B0604020202020204" pitchFamily="34" charset="0"/>
+                <a:cs typeface="Arial" panose="020B0604020202020204" pitchFamily="34" charset="0"/>
+              </a:rPr>
+              <a:t>dictionary</a:t>
+            </a:r>
+            <a:endParaRPr lang="zh-TW" altLang="en-US" dirty="0">
+              <a:latin typeface="Arial" panose="020B0604020202020204" pitchFamily="34" charset="0"/>
+              <a:cs typeface="Arial" panose="020B0604020202020204" pitchFamily="34" charset="0"/>
+            </a:endParaRPr>
+          </a:p>
+        </p:txBody>
+      </p:sp>
+      <p:pic>
+        <p:nvPicPr>
+          <p:cNvPr id="1026" name="Picture 2" descr="书籍书柜库- Pixabay上的免费照片">
+            <a:extLst>
+              <a:ext uri="{FF2B5EF4-FFF2-40B4-BE49-F238E27FC236}">
+                <a16:creationId xmlns:a16="http://schemas.microsoft.com/office/drawing/2014/main" id="{90F41430-09BC-4F77-B3C6-962943BB0EC5}"/>
+              </a:ext>
+            </a:extLst>
+          </p:cNvPr>
+          <p:cNvPicPr>
+            <a:picLocks noChangeAspect="1" noChangeArrowheads="1"/>
+          </p:cNvPicPr>
+          <p:nvPr/>
+        </p:nvPicPr>
+        <p:blipFill>
+          <a:blip r:embed="rId2">
+            <a:extLst>
+              <a:ext uri="{28A0092B-C50C-407E-A947-70E740481C1C}">
+                <a14:useLocalDpi xmlns:a14="http://schemas.microsoft.com/office/drawing/2010/main" val="0"/>
+              </a:ext>
+            </a:extLst>
+          </a:blip>
+          <a:srcRect/>
+          <a:stretch>
+            <a:fillRect/>
+          </a:stretch>
+        </p:blipFill>
+        <p:spPr bwMode="auto">
+          <a:xfrm>
+            <a:off x="251901" y="1813301"/>
+            <a:ext cx="7233780" cy="4820288"/>
+          </a:xfrm>
+          <a:prstGeom prst="rect">
+            <a:avLst/>
+          </a:prstGeom>
+          <a:noFill/>
+          <a:extLst>
+            <a:ext uri="{909E8E84-426E-40DD-AFC4-6F175D3DCCD1}">
+              <a14:hiddenFill xmlns:a14="http://schemas.microsoft.com/office/drawing/2010/main">
+                <a:solidFill>
+                  <a:srgbClr val="FFFFFF"/>
+                </a:solidFill>
+              </a14:hiddenFill>
+            </a:ext>
+          </a:extLst>
+        </p:spPr>
+      </p:pic>
+      <p:pic>
+        <p:nvPicPr>
+          <p:cNvPr id="1028" name="Picture 4" descr="免费照片： 收藏, 书架, 书柜, 图书馆, 结构, 家具, 旧">
+            <a:extLst>
+              <a:ext uri="{FF2B5EF4-FFF2-40B4-BE49-F238E27FC236}">
+                <a16:creationId xmlns:a16="http://schemas.microsoft.com/office/drawing/2014/main" id="{78482209-8FCC-47C2-864B-0FFC2869D4C8}"/>
+              </a:ext>
+            </a:extLst>
+          </p:cNvPr>
+          <p:cNvPicPr>
+            <a:picLocks noChangeAspect="1" noChangeArrowheads="1"/>
+          </p:cNvPicPr>
+          <p:nvPr/>
+        </p:nvPicPr>
+        <p:blipFill>
+          <a:blip r:embed="rId3">
+            <a:extLst>
+              <a:ext uri="{28A0092B-C50C-407E-A947-70E740481C1C}">
+                <a14:useLocalDpi xmlns:a14="http://schemas.microsoft.com/office/drawing/2010/main" val="0"/>
+              </a:ext>
+            </a:extLst>
+          </a:blip>
+          <a:srcRect/>
+          <a:stretch>
+            <a:fillRect/>
+          </a:stretch>
+        </p:blipFill>
+        <p:spPr bwMode="auto">
+          <a:xfrm>
+            <a:off x="3873929" y="1813301"/>
+            <a:ext cx="6637149" cy="4424766"/>
+          </a:xfrm>
+          <a:prstGeom prst="rect">
+            <a:avLst/>
+          </a:prstGeom>
+          <a:noFill/>
+          <a:extLst>
+            <a:ext uri="{909E8E84-426E-40DD-AFC4-6F175D3DCCD1}">
+              <a14:hiddenFill xmlns:a14="http://schemas.microsoft.com/office/drawing/2010/main">
+                <a:solidFill>
+                  <a:srgbClr val="FFFFFF"/>
+                </a:solidFill>
+              </a14:hiddenFill>
+            </a:ext>
+          </a:extLst>
+        </p:spPr>
+      </p:pic>
+    </p:spTree>
+    <p:extLst>
+      <p:ext uri="{BB962C8B-B14F-4D97-AF65-F5344CB8AC3E}">
+        <p14:creationId xmlns:p14="http://schemas.microsoft.com/office/powerpoint/2010/main" val="3622024393"/>
+      </p:ext>
+    </p:extLst>
+  </p:cSld>
+  <p:clrMapOvr>
+    <a:masterClrMapping/>
+  </p:clrMapOvr>
+  <p:timing>
+    <p:tnLst>
+      <p:par>
+        <p:cTn id="1" dur="indefinite" restart="never" nodeType="tmRoot">
+          <p:childTnLst>
+            <p:seq concurrent="1" nextAc="seek">
+              <p:cTn id="2" dur="indefinite" nodeType="mainSeq">
+                <p:childTnLst>
+                  <p:par>
+                    <p:cTn id="3" fill="hold">
+                      <p:stCondLst>
+                        <p:cond delay="indefinite"/>
+                      </p:stCondLst>
+                      <p:childTnLst>
+                        <p:par>
+                          <p:cTn id="4" fill="hold">
+                            <p:stCondLst>
+                              <p:cond delay="0"/>
+                            </p:stCondLst>
+                            <p:childTnLst>
+                              <p:par>
+                                <p:cTn id="5" presetID="22" presetClass="entr" presetSubtype="2" fill="hold" nodeType="clickEffect">
+                                  <p:stCondLst>
+                                    <p:cond delay="0"/>
+                                  </p:stCondLst>
+                                  <p:childTnLst>
+                                    <p:set>
+                                      <p:cBhvr>
+                                        <p:cTn id="6" dur="1" fill="hold">
+                                          <p:stCondLst>
+                                            <p:cond delay="0"/>
+                                          </p:stCondLst>
+                                        </p:cTn>
+                                        <p:tgtEl>
+                                          <p:spTgt spid="1028"/>
+                                        </p:tgtEl>
+                                        <p:attrNameLst>
+                                          <p:attrName>style.visibility</p:attrName>
+                                        </p:attrNameLst>
+                                      </p:cBhvr>
+                                      <p:to>
+                                        <p:strVal val="visible"/>
+                                      </p:to>
+                                    </p:set>
+                                    <p:animEffect transition="in" filter="wipe(right)">
+                                      <p:cBhvr>
+                                        <p:cTn id="7" dur="500"/>
+                                        <p:tgtEl>
+                                          <p:spTgt spid="1028"/>
+                                        </p:tgtEl>
+                                      </p:cBhvr>
+                                    </p:animEffect>
+                                  </p:childTnLst>
+                                </p:cTn>
+                              </p:par>
+                            </p:childTnLst>
+                          </p:cTn>
+                        </p:par>
+                      </p:childTnLst>
+                    </p:cTn>
+                  </p:par>
+                </p:childTnLst>
+              </p:cTn>
+              <p:prevCondLst>
+                <p:cond evt="onPrev" delay="0">
+                  <p:tgtEl>
+                    <p:sldTgt/>
+                  </p:tgtEl>
+                </p:cond>
+              </p:prevCondLst>
+              <p:nextCondLst>
+                <p:cond evt="onNext" delay="0">
+                  <p:tgtEl>
+                    <p:sldTgt/>
+                  </p:tgtEl>
+                </p:cond>
+              </p:nextCondLst>
+            </p:seq>
+          </p:childTnLst>
+        </p:cTn>
+      </p:par>
+    </p:tnLst>
+  </p:timing>
+</p:sld>
+</file>
+
+<file path=ppt/slides/slide9.xml><?xml version="1.0" encoding="utf-8"?>
 <p:sld xmlns:a="http://schemas.openxmlformats.org/drawingml/2006/main" xmlns:r="http://schemas.openxmlformats.org/officeDocument/2006/relationships" xmlns:p="http://schemas.openxmlformats.org/presentationml/2006/main">
   <p:cSld>
     <p:spTree>
@@ -11006,7 +13553,7 @@
                     <a:lstStyle/>
                     <a:p>
                       <a:pPr algn="l" fontAlgn="ctr"/>
-                      <a:endParaRPr lang="en-US" altLang="zh-TW" sz="1800" b="0" i="0" u="none" strike="noStrike">
+                      <a:endParaRPr lang="en-US" altLang="zh-TW" sz="1800" b="0" i="0" u="none" strike="noStrike" dirty="0">
                         <a:solidFill>
                           <a:srgbClr val="000000"/>
                         </a:solidFill>
@@ -12539,242 +15086,6 @@
 </p:sld>
 </file>
 
-<file path=ppt/slides/slide9.xml><?xml version="1.0" encoding="utf-8"?>
-<p:sld xmlns:a="http://schemas.openxmlformats.org/drawingml/2006/main" xmlns:r="http://schemas.openxmlformats.org/officeDocument/2006/relationships" xmlns:p="http://schemas.openxmlformats.org/presentationml/2006/main" show="0">
-  <p:cSld>
-    <p:spTree>
-      <p:nvGrpSpPr>
-        <p:cNvPr id="1" name=""/>
-        <p:cNvGrpSpPr/>
-        <p:nvPr/>
-      </p:nvGrpSpPr>
-      <p:grpSpPr>
-        <a:xfrm>
-          <a:off x="0" y="0"/>
-          <a:ext cx="0" cy="0"/>
-          <a:chOff x="0" y="0"/>
-          <a:chExt cx="0" cy="0"/>
-        </a:xfrm>
-      </p:grpSpPr>
-      <p:sp>
-        <p:nvSpPr>
-          <p:cNvPr id="2" name="標題 1">
-            <a:extLst>
-              <a:ext uri="{FF2B5EF4-FFF2-40B4-BE49-F238E27FC236}">
-                <a16:creationId xmlns:a16="http://schemas.microsoft.com/office/drawing/2014/main" id="{BF7FDBAD-D626-456A-B83C-10710BF9CB30}"/>
-              </a:ext>
-            </a:extLst>
-          </p:cNvPr>
-          <p:cNvSpPr>
-            <a:spLocks noGrp="1"/>
-          </p:cNvSpPr>
-          <p:nvPr>
-            <p:ph type="title"/>
-          </p:nvPr>
-        </p:nvSpPr>
-        <p:spPr/>
-        <p:txBody>
-          <a:bodyPr/>
-          <a:lstStyle/>
-          <a:p>
-            <a:r>
-              <a:rPr lang="en-US" altLang="zh-TW" dirty="0"/>
-              <a:t>dictionary</a:t>
-            </a:r>
-            <a:endParaRPr lang="zh-TW" altLang="en-US" dirty="0"/>
-          </a:p>
-        </p:txBody>
-      </p:sp>
-      <p:pic>
-        <p:nvPicPr>
-          <p:cNvPr id="1026" name="Picture 2" descr="书籍书柜库- Pixabay上的免费照片">
-            <a:extLst>
-              <a:ext uri="{FF2B5EF4-FFF2-40B4-BE49-F238E27FC236}">
-                <a16:creationId xmlns:a16="http://schemas.microsoft.com/office/drawing/2014/main" id="{90F41430-09BC-4F77-B3C6-962943BB0EC5}"/>
-              </a:ext>
-            </a:extLst>
-          </p:cNvPr>
-          <p:cNvPicPr>
-            <a:picLocks noChangeAspect="1" noChangeArrowheads="1"/>
-          </p:cNvPicPr>
-          <p:nvPr/>
-        </p:nvPicPr>
-        <p:blipFill>
-          <a:blip r:embed="rId2">
-            <a:extLst>
-              <a:ext uri="{28A0092B-C50C-407E-A947-70E740481C1C}">
-                <a14:useLocalDpi xmlns:a14="http://schemas.microsoft.com/office/drawing/2010/main" val="0"/>
-              </a:ext>
-            </a:extLst>
-          </a:blip>
-          <a:srcRect/>
-          <a:stretch>
-            <a:fillRect/>
-          </a:stretch>
-        </p:blipFill>
-        <p:spPr bwMode="auto">
-          <a:xfrm>
-            <a:off x="251901" y="1813301"/>
-            <a:ext cx="7233780" cy="4820288"/>
-          </a:xfrm>
-          <a:prstGeom prst="rect">
-            <a:avLst/>
-          </a:prstGeom>
-          <a:noFill/>
-          <a:extLst>
-            <a:ext uri="{909E8E84-426E-40DD-AFC4-6F175D3DCCD1}">
-              <a14:hiddenFill xmlns:a14="http://schemas.microsoft.com/office/drawing/2010/main">
-                <a:solidFill>
-                  <a:srgbClr val="FFFFFF"/>
-                </a:solidFill>
-              </a14:hiddenFill>
-            </a:ext>
-          </a:extLst>
-        </p:spPr>
-      </p:pic>
-      <p:pic>
-        <p:nvPicPr>
-          <p:cNvPr id="1028" name="Picture 4" descr="免费照片： 收藏, 书架, 书柜, 图书馆, 结构, 家具, 旧">
-            <a:extLst>
-              <a:ext uri="{FF2B5EF4-FFF2-40B4-BE49-F238E27FC236}">
-                <a16:creationId xmlns:a16="http://schemas.microsoft.com/office/drawing/2014/main" id="{78482209-8FCC-47C2-864B-0FFC2869D4C8}"/>
-              </a:ext>
-            </a:extLst>
-          </p:cNvPr>
-          <p:cNvPicPr>
-            <a:picLocks noChangeAspect="1" noChangeArrowheads="1"/>
-          </p:cNvPicPr>
-          <p:nvPr/>
-        </p:nvPicPr>
-        <p:blipFill>
-          <a:blip r:embed="rId3">
-            <a:extLst>
-              <a:ext uri="{28A0092B-C50C-407E-A947-70E740481C1C}">
-                <a14:useLocalDpi xmlns:a14="http://schemas.microsoft.com/office/drawing/2010/main" val="0"/>
-              </a:ext>
-            </a:extLst>
-          </a:blip>
-          <a:srcRect/>
-          <a:stretch>
-            <a:fillRect/>
-          </a:stretch>
-        </p:blipFill>
-        <p:spPr bwMode="auto">
-          <a:xfrm>
-            <a:off x="3873929" y="1813301"/>
-            <a:ext cx="6637149" cy="4424766"/>
-          </a:xfrm>
-          <a:prstGeom prst="rect">
-            <a:avLst/>
-          </a:prstGeom>
-          <a:noFill/>
-          <a:extLst>
-            <a:ext uri="{909E8E84-426E-40DD-AFC4-6F175D3DCCD1}">
-              <a14:hiddenFill xmlns:a14="http://schemas.microsoft.com/office/drawing/2010/main">
-                <a:solidFill>
-                  <a:srgbClr val="FFFFFF"/>
-                </a:solidFill>
-              </a14:hiddenFill>
-            </a:ext>
-          </a:extLst>
-        </p:spPr>
-      </p:pic>
-    </p:spTree>
-    <p:extLst>
-      <p:ext uri="{BB962C8B-B14F-4D97-AF65-F5344CB8AC3E}">
-        <p14:creationId xmlns:p14="http://schemas.microsoft.com/office/powerpoint/2010/main" val="3622024393"/>
-      </p:ext>
-    </p:extLst>
-  </p:cSld>
-  <p:clrMapOvr>
-    <a:masterClrMapping/>
-  </p:clrMapOvr>
-  <p:timing>
-    <p:tnLst>
-      <p:par>
-        <p:cTn id="1" dur="indefinite" restart="never" nodeType="tmRoot">
-          <p:childTnLst>
-            <p:seq concurrent="1" nextAc="seek">
-              <p:cTn id="2" dur="indefinite" nodeType="mainSeq">
-                <p:childTnLst>
-                  <p:par>
-                    <p:cTn id="3" fill="hold">
-                      <p:stCondLst>
-                        <p:cond delay="indefinite"/>
-                      </p:stCondLst>
-                      <p:childTnLst>
-                        <p:par>
-                          <p:cTn id="4" fill="hold">
-                            <p:stCondLst>
-                              <p:cond delay="0"/>
-                            </p:stCondLst>
-                            <p:childTnLst>
-                              <p:par>
-                                <p:cTn id="5" presetID="22" presetClass="entr" presetSubtype="2" fill="hold" nodeType="clickEffect">
-                                  <p:stCondLst>
-                                    <p:cond delay="0"/>
-                                  </p:stCondLst>
-                                  <p:childTnLst>
-                                    <p:set>
-                                      <p:cBhvr>
-                                        <p:cTn id="6" dur="1" fill="hold">
-                                          <p:stCondLst>
-                                            <p:cond delay="0"/>
-                                          </p:stCondLst>
-                                        </p:cTn>
-                                        <p:tgtEl>
-                                          <p:spTgt spid="1028"/>
-                                        </p:tgtEl>
-                                        <p:attrNameLst>
-                                          <p:attrName>style.visibility</p:attrName>
-                                        </p:attrNameLst>
-                                      </p:cBhvr>
-                                      <p:to>
-                                        <p:strVal val="visible"/>
-                                      </p:to>
-                                    </p:set>
-                                    <p:animEffect transition="in" filter="wipe(right)">
-                                      <p:cBhvr>
-                                        <p:cTn id="7" dur="500"/>
-                                        <p:tgtEl>
-                                          <p:spTgt spid="1028"/>
-                                        </p:tgtEl>
-                                      </p:cBhvr>
-                                    </p:animEffect>
-                                  </p:childTnLst>
-                                </p:cTn>
-                              </p:par>
-                            </p:childTnLst>
-                          </p:cTn>
-                        </p:par>
-                      </p:childTnLst>
-                    </p:cTn>
-                  </p:par>
-                </p:childTnLst>
-              </p:cTn>
-              <p:prevCondLst>
-                <p:cond evt="onPrev" delay="0">
-                  <p:tgtEl>
-                    <p:sldTgt/>
-                  </p:tgtEl>
-                </p:cond>
-              </p:prevCondLst>
-              <p:nextCondLst>
-                <p:cond evt="onNext" delay="0">
-                  <p:tgtEl>
-                    <p:sldTgt/>
-                  </p:tgtEl>
-                </p:cond>
-              </p:nextCondLst>
-            </p:seq>
-          </p:childTnLst>
-        </p:cTn>
-      </p:par>
-    </p:tnLst>
-  </p:timing>
-</p:sld>
-</file>
-
 <file path=ppt/theme/theme1.xml><?xml version="1.0" encoding="utf-8"?>
 <a:theme xmlns:a="http://schemas.openxmlformats.org/drawingml/2006/main" name="Office 佈景主題">
   <a:themeElements>
